--- a/docs/QuickStart.pptx
+++ b/docs/QuickStart.pptx
@@ -3,16 +3,19 @@
 <p:presentation xmlns:a="http://schemas.openxmlformats.org/drawingml/2006/main" xmlns:r="http://schemas.openxmlformats.org/officeDocument/2006/relationships" xmlns:p="http://schemas.openxmlformats.org/presentationml/2006/main" saveSubsetFonts="1" autoCompressPictures="0">
   <p:sldMasterIdLst>
     <p:sldMasterId id="2147483656" r:id="rId2"/>
+    <p:sldMasterId id="2147483763" r:id="rId3"/>
   </p:sldMasterIdLst>
   <p:notesMasterIdLst>
-    <p:notesMasterId r:id="rId8"/>
+    <p:notesMasterId r:id="rId11"/>
   </p:notesMasterIdLst>
   <p:sldIdLst>
-    <p:sldId id="256" r:id="rId3"/>
-    <p:sldId id="257" r:id="rId4"/>
-    <p:sldId id="258" r:id="rId5"/>
-    <p:sldId id="259" r:id="rId6"/>
-    <p:sldId id="260" r:id="rId7"/>
+    <p:sldId id="256" r:id="rId4"/>
+    <p:sldId id="257" r:id="rId5"/>
+    <p:sldId id="258" r:id="rId6"/>
+    <p:sldId id="261" r:id="rId7"/>
+    <p:sldId id="262" r:id="rId8"/>
+    <p:sldId id="259" r:id="rId9"/>
+    <p:sldId id="260" r:id="rId10"/>
   </p:sldIdLst>
   <p:sldSz cx="14630400" cy="8229600"/>
   <p:notesSz cx="6954838" cy="8809038"/>
@@ -226,7 +229,7 @@
           <a:p>
             <a:fld id="{651819AA-B41A-40A3-9C20-21EA90F62779}" type="datetimeFigureOut">
               <a:rPr lang="en-US" smtClean="0"/>
-              <a:t>5/30/2017</a:t>
+              <a:t>7/17/17</a:t>
             </a:fld>
             <a:endParaRPr lang="en-US"/>
           </a:p>
@@ -831,6 +834,1911 @@
 </p:sldLayout>
 </file>
 
+<file path=ppt/slideLayouts/slideLayout11.xml><?xml version="1.0" encoding="utf-8"?>
+<p:sldLayout xmlns:a="http://schemas.openxmlformats.org/drawingml/2006/main" xmlns:r="http://schemas.openxmlformats.org/officeDocument/2006/relationships" xmlns:p="http://schemas.openxmlformats.org/presentationml/2006/main" type="title" preserve="1">
+  <p:cSld name="Title Slide">
+    <p:spTree>
+      <p:nvGrpSpPr>
+        <p:cNvPr id="1" name=""/>
+        <p:cNvGrpSpPr/>
+        <p:nvPr/>
+      </p:nvGrpSpPr>
+      <p:grpSpPr>
+        <a:xfrm>
+          <a:off x="0" y="0"/>
+          <a:ext cx="0" cy="0"/>
+          <a:chOff x="0" y="0"/>
+          <a:chExt cx="0" cy="0"/>
+        </a:xfrm>
+      </p:grpSpPr>
+      <p:sp>
+        <p:nvSpPr>
+          <p:cNvPr id="2" name="Title 1"/>
+          <p:cNvSpPr>
+            <a:spLocks noGrp="1"/>
+          </p:cNvSpPr>
+          <p:nvPr>
+            <p:ph type="ctrTitle"/>
+          </p:nvPr>
+        </p:nvSpPr>
+        <p:spPr>
+          <a:xfrm>
+            <a:off x="1828800" y="1346836"/>
+            <a:ext cx="10972800" cy="2865120"/>
+          </a:xfrm>
+        </p:spPr>
+        <p:txBody>
+          <a:bodyPr anchor="b"/>
+          <a:lstStyle>
+            <a:lvl1pPr algn="ctr">
+              <a:defRPr sz="7200"/>
+            </a:lvl1pPr>
+          </a:lstStyle>
+          <a:p>
+            <a:r>
+              <a:rPr lang="en-US" smtClean="0"/>
+              <a:t>Click to edit Master title style</a:t>
+            </a:r>
+            <a:endParaRPr lang="en-US"/>
+          </a:p>
+        </p:txBody>
+      </p:sp>
+      <p:sp>
+        <p:nvSpPr>
+          <p:cNvPr id="3" name="Subtitle 2"/>
+          <p:cNvSpPr>
+            <a:spLocks noGrp="1"/>
+          </p:cNvSpPr>
+          <p:nvPr>
+            <p:ph type="subTitle" idx="1"/>
+          </p:nvPr>
+        </p:nvSpPr>
+        <p:spPr>
+          <a:xfrm>
+            <a:off x="1828800" y="4322446"/>
+            <a:ext cx="10972800" cy="1986914"/>
+          </a:xfrm>
+        </p:spPr>
+        <p:txBody>
+          <a:bodyPr/>
+          <a:lstStyle>
+            <a:lvl1pPr marL="0" indent="0" algn="ctr">
+              <a:buNone/>
+              <a:defRPr sz="2880"/>
+            </a:lvl1pPr>
+            <a:lvl2pPr marL="548640" indent="0" algn="ctr">
+              <a:buNone/>
+              <a:defRPr sz="2400"/>
+            </a:lvl2pPr>
+            <a:lvl3pPr marL="1097280" indent="0" algn="ctr">
+              <a:buNone/>
+              <a:defRPr sz="2160"/>
+            </a:lvl3pPr>
+            <a:lvl4pPr marL="1645920" indent="0" algn="ctr">
+              <a:buNone/>
+              <a:defRPr sz="1920"/>
+            </a:lvl4pPr>
+            <a:lvl5pPr marL="2194560" indent="0" algn="ctr">
+              <a:buNone/>
+              <a:defRPr sz="1920"/>
+            </a:lvl5pPr>
+            <a:lvl6pPr marL="2743200" indent="0" algn="ctr">
+              <a:buNone/>
+              <a:defRPr sz="1920"/>
+            </a:lvl6pPr>
+            <a:lvl7pPr marL="3291840" indent="0" algn="ctr">
+              <a:buNone/>
+              <a:defRPr sz="1920"/>
+            </a:lvl7pPr>
+            <a:lvl8pPr marL="3840480" indent="0" algn="ctr">
+              <a:buNone/>
+              <a:defRPr sz="1920"/>
+            </a:lvl8pPr>
+            <a:lvl9pPr marL="4389120" indent="0" algn="ctr">
+              <a:buNone/>
+              <a:defRPr sz="1920"/>
+            </a:lvl9pPr>
+          </a:lstStyle>
+          <a:p>
+            <a:r>
+              <a:rPr lang="en-US" smtClean="0"/>
+              <a:t>Click to edit Master subtitle style</a:t>
+            </a:r>
+            <a:endParaRPr lang="en-US"/>
+          </a:p>
+        </p:txBody>
+      </p:sp>
+      <p:sp>
+        <p:nvSpPr>
+          <p:cNvPr id="4" name="Date Placeholder 3"/>
+          <p:cNvSpPr>
+            <a:spLocks noGrp="1"/>
+          </p:cNvSpPr>
+          <p:nvPr>
+            <p:ph type="dt" sz="half" idx="10"/>
+          </p:nvPr>
+        </p:nvSpPr>
+        <p:spPr/>
+        <p:txBody>
+          <a:bodyPr/>
+          <a:lstStyle/>
+          <a:p>
+            <a:fld id="{7945E9E4-EAFC-ED42-B4C7-D719C349FAB2}" type="datetimeFigureOut">
+              <a:rPr lang="en-US" smtClean="0"/>
+              <a:t>7/17/17</a:t>
+            </a:fld>
+            <a:endParaRPr lang="en-US"/>
+          </a:p>
+        </p:txBody>
+      </p:sp>
+      <p:sp>
+        <p:nvSpPr>
+          <p:cNvPr id="5" name="Footer Placeholder 4"/>
+          <p:cNvSpPr>
+            <a:spLocks noGrp="1"/>
+          </p:cNvSpPr>
+          <p:nvPr>
+            <p:ph type="ftr" sz="quarter" idx="11"/>
+          </p:nvPr>
+        </p:nvSpPr>
+        <p:spPr/>
+        <p:txBody>
+          <a:bodyPr/>
+          <a:lstStyle/>
+          <a:p>
+            <a:endParaRPr lang="en-US"/>
+          </a:p>
+        </p:txBody>
+      </p:sp>
+      <p:sp>
+        <p:nvSpPr>
+          <p:cNvPr id="6" name="Slide Number Placeholder 5"/>
+          <p:cNvSpPr>
+            <a:spLocks noGrp="1"/>
+          </p:cNvSpPr>
+          <p:nvPr>
+            <p:ph type="sldNum" sz="quarter" idx="12"/>
+          </p:nvPr>
+        </p:nvSpPr>
+        <p:spPr/>
+        <p:txBody>
+          <a:bodyPr/>
+          <a:lstStyle/>
+          <a:p>
+            <a:fld id="{4FCBA960-54CD-9549-9D36-6F92FCCFF0F5}" type="slidenum">
+              <a:rPr lang="en-US" smtClean="0"/>
+              <a:t>‹#›</a:t>
+            </a:fld>
+            <a:endParaRPr lang="en-US"/>
+          </a:p>
+        </p:txBody>
+      </p:sp>
+    </p:spTree>
+  </p:cSld>
+  <p:clrMapOvr>
+    <a:masterClrMapping/>
+  </p:clrMapOvr>
+</p:sldLayout>
+</file>
+
+<file path=ppt/slideLayouts/slideLayout12.xml><?xml version="1.0" encoding="utf-8"?>
+<p:sldLayout xmlns:a="http://schemas.openxmlformats.org/drawingml/2006/main" xmlns:r="http://schemas.openxmlformats.org/officeDocument/2006/relationships" xmlns:p="http://schemas.openxmlformats.org/presentationml/2006/main" type="obj" preserve="1">
+  <p:cSld name="Title and Content">
+    <p:spTree>
+      <p:nvGrpSpPr>
+        <p:cNvPr id="1" name=""/>
+        <p:cNvGrpSpPr/>
+        <p:nvPr/>
+      </p:nvGrpSpPr>
+      <p:grpSpPr>
+        <a:xfrm>
+          <a:off x="0" y="0"/>
+          <a:ext cx="0" cy="0"/>
+          <a:chOff x="0" y="0"/>
+          <a:chExt cx="0" cy="0"/>
+        </a:xfrm>
+      </p:grpSpPr>
+      <p:sp>
+        <p:nvSpPr>
+          <p:cNvPr id="2" name="Title 1"/>
+          <p:cNvSpPr>
+            <a:spLocks noGrp="1"/>
+          </p:cNvSpPr>
+          <p:nvPr>
+            <p:ph type="title"/>
+          </p:nvPr>
+        </p:nvSpPr>
+        <p:spPr/>
+        <p:txBody>
+          <a:bodyPr/>
+          <a:lstStyle/>
+          <a:p>
+            <a:r>
+              <a:rPr lang="en-US" smtClean="0"/>
+              <a:t>Click to edit Master title style</a:t>
+            </a:r>
+            <a:endParaRPr lang="en-US"/>
+          </a:p>
+        </p:txBody>
+      </p:sp>
+      <p:sp>
+        <p:nvSpPr>
+          <p:cNvPr id="3" name="Content Placeholder 2"/>
+          <p:cNvSpPr>
+            <a:spLocks noGrp="1"/>
+          </p:cNvSpPr>
+          <p:nvPr>
+            <p:ph idx="1"/>
+          </p:nvPr>
+        </p:nvSpPr>
+        <p:spPr/>
+        <p:txBody>
+          <a:bodyPr/>
+          <a:lstStyle/>
+          <a:p>
+            <a:pPr lvl="0"/>
+            <a:r>
+              <a:rPr lang="en-US" smtClean="0"/>
+              <a:t>Click to edit Master text styles</a:t>
+            </a:r>
+          </a:p>
+          <a:p>
+            <a:pPr lvl="1"/>
+            <a:r>
+              <a:rPr lang="en-US" smtClean="0"/>
+              <a:t>Second level</a:t>
+            </a:r>
+          </a:p>
+          <a:p>
+            <a:pPr lvl="2"/>
+            <a:r>
+              <a:rPr lang="en-US" smtClean="0"/>
+              <a:t>Third level</a:t>
+            </a:r>
+          </a:p>
+          <a:p>
+            <a:pPr lvl="3"/>
+            <a:r>
+              <a:rPr lang="en-US" smtClean="0"/>
+              <a:t>Fourth level</a:t>
+            </a:r>
+          </a:p>
+          <a:p>
+            <a:pPr lvl="4"/>
+            <a:r>
+              <a:rPr lang="en-US" smtClean="0"/>
+              <a:t>Fifth level</a:t>
+            </a:r>
+            <a:endParaRPr lang="en-US"/>
+          </a:p>
+        </p:txBody>
+      </p:sp>
+      <p:sp>
+        <p:nvSpPr>
+          <p:cNvPr id="4" name="Date Placeholder 3"/>
+          <p:cNvSpPr>
+            <a:spLocks noGrp="1"/>
+          </p:cNvSpPr>
+          <p:nvPr>
+            <p:ph type="dt" sz="half" idx="10"/>
+          </p:nvPr>
+        </p:nvSpPr>
+        <p:spPr/>
+        <p:txBody>
+          <a:bodyPr/>
+          <a:lstStyle/>
+          <a:p>
+            <a:fld id="{7945E9E4-EAFC-ED42-B4C7-D719C349FAB2}" type="datetimeFigureOut">
+              <a:rPr lang="en-US" smtClean="0"/>
+              <a:t>7/17/17</a:t>
+            </a:fld>
+            <a:endParaRPr lang="en-US"/>
+          </a:p>
+        </p:txBody>
+      </p:sp>
+      <p:sp>
+        <p:nvSpPr>
+          <p:cNvPr id="5" name="Footer Placeholder 4"/>
+          <p:cNvSpPr>
+            <a:spLocks noGrp="1"/>
+          </p:cNvSpPr>
+          <p:nvPr>
+            <p:ph type="ftr" sz="quarter" idx="11"/>
+          </p:nvPr>
+        </p:nvSpPr>
+        <p:spPr/>
+        <p:txBody>
+          <a:bodyPr/>
+          <a:lstStyle/>
+          <a:p>
+            <a:endParaRPr lang="en-US"/>
+          </a:p>
+        </p:txBody>
+      </p:sp>
+      <p:sp>
+        <p:nvSpPr>
+          <p:cNvPr id="6" name="Slide Number Placeholder 5"/>
+          <p:cNvSpPr>
+            <a:spLocks noGrp="1"/>
+          </p:cNvSpPr>
+          <p:nvPr>
+            <p:ph type="sldNum" sz="quarter" idx="12"/>
+          </p:nvPr>
+        </p:nvSpPr>
+        <p:spPr/>
+        <p:txBody>
+          <a:bodyPr/>
+          <a:lstStyle/>
+          <a:p>
+            <a:fld id="{4FCBA960-54CD-9549-9D36-6F92FCCFF0F5}" type="slidenum">
+              <a:rPr lang="en-US" smtClean="0"/>
+              <a:t>‹#›</a:t>
+            </a:fld>
+            <a:endParaRPr lang="en-US"/>
+          </a:p>
+        </p:txBody>
+      </p:sp>
+    </p:spTree>
+  </p:cSld>
+  <p:clrMapOvr>
+    <a:masterClrMapping/>
+  </p:clrMapOvr>
+</p:sldLayout>
+</file>
+
+<file path=ppt/slideLayouts/slideLayout13.xml><?xml version="1.0" encoding="utf-8"?>
+<p:sldLayout xmlns:a="http://schemas.openxmlformats.org/drawingml/2006/main" xmlns:r="http://schemas.openxmlformats.org/officeDocument/2006/relationships" xmlns:p="http://schemas.openxmlformats.org/presentationml/2006/main" type="secHead" preserve="1">
+  <p:cSld name="Section Header">
+    <p:spTree>
+      <p:nvGrpSpPr>
+        <p:cNvPr id="1" name=""/>
+        <p:cNvGrpSpPr/>
+        <p:nvPr/>
+      </p:nvGrpSpPr>
+      <p:grpSpPr>
+        <a:xfrm>
+          <a:off x="0" y="0"/>
+          <a:ext cx="0" cy="0"/>
+          <a:chOff x="0" y="0"/>
+          <a:chExt cx="0" cy="0"/>
+        </a:xfrm>
+      </p:grpSpPr>
+      <p:sp>
+        <p:nvSpPr>
+          <p:cNvPr id="2" name="Title 1"/>
+          <p:cNvSpPr>
+            <a:spLocks noGrp="1"/>
+          </p:cNvSpPr>
+          <p:nvPr>
+            <p:ph type="title"/>
+          </p:nvPr>
+        </p:nvSpPr>
+        <p:spPr>
+          <a:xfrm>
+            <a:off x="998220" y="2051686"/>
+            <a:ext cx="12618720" cy="3423284"/>
+          </a:xfrm>
+        </p:spPr>
+        <p:txBody>
+          <a:bodyPr anchor="b"/>
+          <a:lstStyle>
+            <a:lvl1pPr>
+              <a:defRPr sz="7200"/>
+            </a:lvl1pPr>
+          </a:lstStyle>
+          <a:p>
+            <a:r>
+              <a:rPr lang="en-US" smtClean="0"/>
+              <a:t>Click to edit Master title style</a:t>
+            </a:r>
+            <a:endParaRPr lang="en-US"/>
+          </a:p>
+        </p:txBody>
+      </p:sp>
+      <p:sp>
+        <p:nvSpPr>
+          <p:cNvPr id="3" name="Text Placeholder 2"/>
+          <p:cNvSpPr>
+            <a:spLocks noGrp="1"/>
+          </p:cNvSpPr>
+          <p:nvPr>
+            <p:ph type="body" idx="1"/>
+          </p:nvPr>
+        </p:nvSpPr>
+        <p:spPr>
+          <a:xfrm>
+            <a:off x="998220" y="5507356"/>
+            <a:ext cx="12618720" cy="1800224"/>
+          </a:xfrm>
+        </p:spPr>
+        <p:txBody>
+          <a:bodyPr/>
+          <a:lstStyle>
+            <a:lvl1pPr marL="0" indent="0">
+              <a:buNone/>
+              <a:defRPr sz="2880">
+                <a:solidFill>
+                  <a:schemeClr val="tx1">
+                    <a:tint val="75000"/>
+                  </a:schemeClr>
+                </a:solidFill>
+              </a:defRPr>
+            </a:lvl1pPr>
+            <a:lvl2pPr marL="548640" indent="0">
+              <a:buNone/>
+              <a:defRPr sz="2400">
+                <a:solidFill>
+                  <a:schemeClr val="tx1">
+                    <a:tint val="75000"/>
+                  </a:schemeClr>
+                </a:solidFill>
+              </a:defRPr>
+            </a:lvl2pPr>
+            <a:lvl3pPr marL="1097280" indent="0">
+              <a:buNone/>
+              <a:defRPr sz="2160">
+                <a:solidFill>
+                  <a:schemeClr val="tx1">
+                    <a:tint val="75000"/>
+                  </a:schemeClr>
+                </a:solidFill>
+              </a:defRPr>
+            </a:lvl3pPr>
+            <a:lvl4pPr marL="1645920" indent="0">
+              <a:buNone/>
+              <a:defRPr sz="1920">
+                <a:solidFill>
+                  <a:schemeClr val="tx1">
+                    <a:tint val="75000"/>
+                  </a:schemeClr>
+                </a:solidFill>
+              </a:defRPr>
+            </a:lvl4pPr>
+            <a:lvl5pPr marL="2194560" indent="0">
+              <a:buNone/>
+              <a:defRPr sz="1920">
+                <a:solidFill>
+                  <a:schemeClr val="tx1">
+                    <a:tint val="75000"/>
+                  </a:schemeClr>
+                </a:solidFill>
+              </a:defRPr>
+            </a:lvl5pPr>
+            <a:lvl6pPr marL="2743200" indent="0">
+              <a:buNone/>
+              <a:defRPr sz="1920">
+                <a:solidFill>
+                  <a:schemeClr val="tx1">
+                    <a:tint val="75000"/>
+                  </a:schemeClr>
+                </a:solidFill>
+              </a:defRPr>
+            </a:lvl6pPr>
+            <a:lvl7pPr marL="3291840" indent="0">
+              <a:buNone/>
+              <a:defRPr sz="1920">
+                <a:solidFill>
+                  <a:schemeClr val="tx1">
+                    <a:tint val="75000"/>
+                  </a:schemeClr>
+                </a:solidFill>
+              </a:defRPr>
+            </a:lvl7pPr>
+            <a:lvl8pPr marL="3840480" indent="0">
+              <a:buNone/>
+              <a:defRPr sz="1920">
+                <a:solidFill>
+                  <a:schemeClr val="tx1">
+                    <a:tint val="75000"/>
+                  </a:schemeClr>
+                </a:solidFill>
+              </a:defRPr>
+            </a:lvl8pPr>
+            <a:lvl9pPr marL="4389120" indent="0">
+              <a:buNone/>
+              <a:defRPr sz="1920">
+                <a:solidFill>
+                  <a:schemeClr val="tx1">
+                    <a:tint val="75000"/>
+                  </a:schemeClr>
+                </a:solidFill>
+              </a:defRPr>
+            </a:lvl9pPr>
+          </a:lstStyle>
+          <a:p>
+            <a:pPr lvl="0"/>
+            <a:r>
+              <a:rPr lang="en-US" smtClean="0"/>
+              <a:t>Click to edit Master text styles</a:t>
+            </a:r>
+          </a:p>
+        </p:txBody>
+      </p:sp>
+      <p:sp>
+        <p:nvSpPr>
+          <p:cNvPr id="4" name="Date Placeholder 3"/>
+          <p:cNvSpPr>
+            <a:spLocks noGrp="1"/>
+          </p:cNvSpPr>
+          <p:nvPr>
+            <p:ph type="dt" sz="half" idx="10"/>
+          </p:nvPr>
+        </p:nvSpPr>
+        <p:spPr/>
+        <p:txBody>
+          <a:bodyPr/>
+          <a:lstStyle/>
+          <a:p>
+            <a:fld id="{7945E9E4-EAFC-ED42-B4C7-D719C349FAB2}" type="datetimeFigureOut">
+              <a:rPr lang="en-US" smtClean="0"/>
+              <a:t>7/17/17</a:t>
+            </a:fld>
+            <a:endParaRPr lang="en-US"/>
+          </a:p>
+        </p:txBody>
+      </p:sp>
+      <p:sp>
+        <p:nvSpPr>
+          <p:cNvPr id="5" name="Footer Placeholder 4"/>
+          <p:cNvSpPr>
+            <a:spLocks noGrp="1"/>
+          </p:cNvSpPr>
+          <p:nvPr>
+            <p:ph type="ftr" sz="quarter" idx="11"/>
+          </p:nvPr>
+        </p:nvSpPr>
+        <p:spPr/>
+        <p:txBody>
+          <a:bodyPr/>
+          <a:lstStyle/>
+          <a:p>
+            <a:endParaRPr lang="en-US"/>
+          </a:p>
+        </p:txBody>
+      </p:sp>
+      <p:sp>
+        <p:nvSpPr>
+          <p:cNvPr id="6" name="Slide Number Placeholder 5"/>
+          <p:cNvSpPr>
+            <a:spLocks noGrp="1"/>
+          </p:cNvSpPr>
+          <p:nvPr>
+            <p:ph type="sldNum" sz="quarter" idx="12"/>
+          </p:nvPr>
+        </p:nvSpPr>
+        <p:spPr/>
+        <p:txBody>
+          <a:bodyPr/>
+          <a:lstStyle/>
+          <a:p>
+            <a:fld id="{4FCBA960-54CD-9549-9D36-6F92FCCFF0F5}" type="slidenum">
+              <a:rPr lang="en-US" smtClean="0"/>
+              <a:t>‹#›</a:t>
+            </a:fld>
+            <a:endParaRPr lang="en-US"/>
+          </a:p>
+        </p:txBody>
+      </p:sp>
+    </p:spTree>
+  </p:cSld>
+  <p:clrMapOvr>
+    <a:masterClrMapping/>
+  </p:clrMapOvr>
+</p:sldLayout>
+</file>
+
+<file path=ppt/slideLayouts/slideLayout14.xml><?xml version="1.0" encoding="utf-8"?>
+<p:sldLayout xmlns:a="http://schemas.openxmlformats.org/drawingml/2006/main" xmlns:r="http://schemas.openxmlformats.org/officeDocument/2006/relationships" xmlns:p="http://schemas.openxmlformats.org/presentationml/2006/main" type="twoObj" preserve="1">
+  <p:cSld name="Two Content">
+    <p:spTree>
+      <p:nvGrpSpPr>
+        <p:cNvPr id="1" name=""/>
+        <p:cNvGrpSpPr/>
+        <p:nvPr/>
+      </p:nvGrpSpPr>
+      <p:grpSpPr>
+        <a:xfrm>
+          <a:off x="0" y="0"/>
+          <a:ext cx="0" cy="0"/>
+          <a:chOff x="0" y="0"/>
+          <a:chExt cx="0" cy="0"/>
+        </a:xfrm>
+      </p:grpSpPr>
+      <p:sp>
+        <p:nvSpPr>
+          <p:cNvPr id="2" name="Title 1"/>
+          <p:cNvSpPr>
+            <a:spLocks noGrp="1"/>
+          </p:cNvSpPr>
+          <p:nvPr>
+            <p:ph type="title"/>
+          </p:nvPr>
+        </p:nvSpPr>
+        <p:spPr/>
+        <p:txBody>
+          <a:bodyPr/>
+          <a:lstStyle/>
+          <a:p>
+            <a:r>
+              <a:rPr lang="en-US" smtClean="0"/>
+              <a:t>Click to edit Master title style</a:t>
+            </a:r>
+            <a:endParaRPr lang="en-US"/>
+          </a:p>
+        </p:txBody>
+      </p:sp>
+      <p:sp>
+        <p:nvSpPr>
+          <p:cNvPr id="3" name="Content Placeholder 2"/>
+          <p:cNvSpPr>
+            <a:spLocks noGrp="1"/>
+          </p:cNvSpPr>
+          <p:nvPr>
+            <p:ph sz="half" idx="1"/>
+          </p:nvPr>
+        </p:nvSpPr>
+        <p:spPr>
+          <a:xfrm>
+            <a:off x="1005840" y="2190750"/>
+            <a:ext cx="6217920" cy="5221606"/>
+          </a:xfrm>
+        </p:spPr>
+        <p:txBody>
+          <a:bodyPr/>
+          <a:lstStyle/>
+          <a:p>
+            <a:pPr lvl="0"/>
+            <a:r>
+              <a:rPr lang="en-US" smtClean="0"/>
+              <a:t>Click to edit Master text styles</a:t>
+            </a:r>
+          </a:p>
+          <a:p>
+            <a:pPr lvl="1"/>
+            <a:r>
+              <a:rPr lang="en-US" smtClean="0"/>
+              <a:t>Second level</a:t>
+            </a:r>
+          </a:p>
+          <a:p>
+            <a:pPr lvl="2"/>
+            <a:r>
+              <a:rPr lang="en-US" smtClean="0"/>
+              <a:t>Third level</a:t>
+            </a:r>
+          </a:p>
+          <a:p>
+            <a:pPr lvl="3"/>
+            <a:r>
+              <a:rPr lang="en-US" smtClean="0"/>
+              <a:t>Fourth level</a:t>
+            </a:r>
+          </a:p>
+          <a:p>
+            <a:pPr lvl="4"/>
+            <a:r>
+              <a:rPr lang="en-US" smtClean="0"/>
+              <a:t>Fifth level</a:t>
+            </a:r>
+            <a:endParaRPr lang="en-US"/>
+          </a:p>
+        </p:txBody>
+      </p:sp>
+      <p:sp>
+        <p:nvSpPr>
+          <p:cNvPr id="4" name="Content Placeholder 3"/>
+          <p:cNvSpPr>
+            <a:spLocks noGrp="1"/>
+          </p:cNvSpPr>
+          <p:nvPr>
+            <p:ph sz="half" idx="2"/>
+          </p:nvPr>
+        </p:nvSpPr>
+        <p:spPr>
+          <a:xfrm>
+            <a:off x="7406640" y="2190750"/>
+            <a:ext cx="6217920" cy="5221606"/>
+          </a:xfrm>
+        </p:spPr>
+        <p:txBody>
+          <a:bodyPr/>
+          <a:lstStyle/>
+          <a:p>
+            <a:pPr lvl="0"/>
+            <a:r>
+              <a:rPr lang="en-US" smtClean="0"/>
+              <a:t>Click to edit Master text styles</a:t>
+            </a:r>
+          </a:p>
+          <a:p>
+            <a:pPr lvl="1"/>
+            <a:r>
+              <a:rPr lang="en-US" smtClean="0"/>
+              <a:t>Second level</a:t>
+            </a:r>
+          </a:p>
+          <a:p>
+            <a:pPr lvl="2"/>
+            <a:r>
+              <a:rPr lang="en-US" smtClean="0"/>
+              <a:t>Third level</a:t>
+            </a:r>
+          </a:p>
+          <a:p>
+            <a:pPr lvl="3"/>
+            <a:r>
+              <a:rPr lang="en-US" smtClean="0"/>
+              <a:t>Fourth level</a:t>
+            </a:r>
+          </a:p>
+          <a:p>
+            <a:pPr lvl="4"/>
+            <a:r>
+              <a:rPr lang="en-US" smtClean="0"/>
+              <a:t>Fifth level</a:t>
+            </a:r>
+            <a:endParaRPr lang="en-US"/>
+          </a:p>
+        </p:txBody>
+      </p:sp>
+      <p:sp>
+        <p:nvSpPr>
+          <p:cNvPr id="5" name="Date Placeholder 4"/>
+          <p:cNvSpPr>
+            <a:spLocks noGrp="1"/>
+          </p:cNvSpPr>
+          <p:nvPr>
+            <p:ph type="dt" sz="half" idx="10"/>
+          </p:nvPr>
+        </p:nvSpPr>
+        <p:spPr/>
+        <p:txBody>
+          <a:bodyPr/>
+          <a:lstStyle/>
+          <a:p>
+            <a:fld id="{7945E9E4-EAFC-ED42-B4C7-D719C349FAB2}" type="datetimeFigureOut">
+              <a:rPr lang="en-US" smtClean="0"/>
+              <a:t>7/17/17</a:t>
+            </a:fld>
+            <a:endParaRPr lang="en-US"/>
+          </a:p>
+        </p:txBody>
+      </p:sp>
+      <p:sp>
+        <p:nvSpPr>
+          <p:cNvPr id="6" name="Footer Placeholder 5"/>
+          <p:cNvSpPr>
+            <a:spLocks noGrp="1"/>
+          </p:cNvSpPr>
+          <p:nvPr>
+            <p:ph type="ftr" sz="quarter" idx="11"/>
+          </p:nvPr>
+        </p:nvSpPr>
+        <p:spPr/>
+        <p:txBody>
+          <a:bodyPr/>
+          <a:lstStyle/>
+          <a:p>
+            <a:endParaRPr lang="en-US"/>
+          </a:p>
+        </p:txBody>
+      </p:sp>
+      <p:sp>
+        <p:nvSpPr>
+          <p:cNvPr id="7" name="Slide Number Placeholder 6"/>
+          <p:cNvSpPr>
+            <a:spLocks noGrp="1"/>
+          </p:cNvSpPr>
+          <p:nvPr>
+            <p:ph type="sldNum" sz="quarter" idx="12"/>
+          </p:nvPr>
+        </p:nvSpPr>
+        <p:spPr/>
+        <p:txBody>
+          <a:bodyPr/>
+          <a:lstStyle/>
+          <a:p>
+            <a:fld id="{4FCBA960-54CD-9549-9D36-6F92FCCFF0F5}" type="slidenum">
+              <a:rPr lang="en-US" smtClean="0"/>
+              <a:t>‹#›</a:t>
+            </a:fld>
+            <a:endParaRPr lang="en-US"/>
+          </a:p>
+        </p:txBody>
+      </p:sp>
+    </p:spTree>
+  </p:cSld>
+  <p:clrMapOvr>
+    <a:masterClrMapping/>
+  </p:clrMapOvr>
+</p:sldLayout>
+</file>
+
+<file path=ppt/slideLayouts/slideLayout15.xml><?xml version="1.0" encoding="utf-8"?>
+<p:sldLayout xmlns:a="http://schemas.openxmlformats.org/drawingml/2006/main" xmlns:r="http://schemas.openxmlformats.org/officeDocument/2006/relationships" xmlns:p="http://schemas.openxmlformats.org/presentationml/2006/main" type="twoTxTwoObj" preserve="1">
+  <p:cSld name="Comparison">
+    <p:spTree>
+      <p:nvGrpSpPr>
+        <p:cNvPr id="1" name=""/>
+        <p:cNvGrpSpPr/>
+        <p:nvPr/>
+      </p:nvGrpSpPr>
+      <p:grpSpPr>
+        <a:xfrm>
+          <a:off x="0" y="0"/>
+          <a:ext cx="0" cy="0"/>
+          <a:chOff x="0" y="0"/>
+          <a:chExt cx="0" cy="0"/>
+        </a:xfrm>
+      </p:grpSpPr>
+      <p:sp>
+        <p:nvSpPr>
+          <p:cNvPr id="2" name="Title 1"/>
+          <p:cNvSpPr>
+            <a:spLocks noGrp="1"/>
+          </p:cNvSpPr>
+          <p:nvPr>
+            <p:ph type="title"/>
+          </p:nvPr>
+        </p:nvSpPr>
+        <p:spPr>
+          <a:xfrm>
+            <a:off x="1007746" y="438150"/>
+            <a:ext cx="12618720" cy="1590676"/>
+          </a:xfrm>
+        </p:spPr>
+        <p:txBody>
+          <a:bodyPr/>
+          <a:lstStyle/>
+          <a:p>
+            <a:r>
+              <a:rPr lang="en-US" smtClean="0"/>
+              <a:t>Click to edit Master title style</a:t>
+            </a:r>
+            <a:endParaRPr lang="en-US"/>
+          </a:p>
+        </p:txBody>
+      </p:sp>
+      <p:sp>
+        <p:nvSpPr>
+          <p:cNvPr id="3" name="Text Placeholder 2"/>
+          <p:cNvSpPr>
+            <a:spLocks noGrp="1"/>
+          </p:cNvSpPr>
+          <p:nvPr>
+            <p:ph type="body" idx="1"/>
+          </p:nvPr>
+        </p:nvSpPr>
+        <p:spPr>
+          <a:xfrm>
+            <a:off x="1007746" y="2017396"/>
+            <a:ext cx="6189344" cy="988694"/>
+          </a:xfrm>
+        </p:spPr>
+        <p:txBody>
+          <a:bodyPr anchor="b"/>
+          <a:lstStyle>
+            <a:lvl1pPr marL="0" indent="0">
+              <a:buNone/>
+              <a:defRPr sz="2880" b="1"/>
+            </a:lvl1pPr>
+            <a:lvl2pPr marL="548640" indent="0">
+              <a:buNone/>
+              <a:defRPr sz="2400" b="1"/>
+            </a:lvl2pPr>
+            <a:lvl3pPr marL="1097280" indent="0">
+              <a:buNone/>
+              <a:defRPr sz="2160" b="1"/>
+            </a:lvl3pPr>
+            <a:lvl4pPr marL="1645920" indent="0">
+              <a:buNone/>
+              <a:defRPr sz="1920" b="1"/>
+            </a:lvl4pPr>
+            <a:lvl5pPr marL="2194560" indent="0">
+              <a:buNone/>
+              <a:defRPr sz="1920" b="1"/>
+            </a:lvl5pPr>
+            <a:lvl6pPr marL="2743200" indent="0">
+              <a:buNone/>
+              <a:defRPr sz="1920" b="1"/>
+            </a:lvl6pPr>
+            <a:lvl7pPr marL="3291840" indent="0">
+              <a:buNone/>
+              <a:defRPr sz="1920" b="1"/>
+            </a:lvl7pPr>
+            <a:lvl8pPr marL="3840480" indent="0">
+              <a:buNone/>
+              <a:defRPr sz="1920" b="1"/>
+            </a:lvl8pPr>
+            <a:lvl9pPr marL="4389120" indent="0">
+              <a:buNone/>
+              <a:defRPr sz="1920" b="1"/>
+            </a:lvl9pPr>
+          </a:lstStyle>
+          <a:p>
+            <a:pPr lvl="0"/>
+            <a:r>
+              <a:rPr lang="en-US" smtClean="0"/>
+              <a:t>Click to edit Master text styles</a:t>
+            </a:r>
+          </a:p>
+        </p:txBody>
+      </p:sp>
+      <p:sp>
+        <p:nvSpPr>
+          <p:cNvPr id="4" name="Content Placeholder 3"/>
+          <p:cNvSpPr>
+            <a:spLocks noGrp="1"/>
+          </p:cNvSpPr>
+          <p:nvPr>
+            <p:ph sz="half" idx="2"/>
+          </p:nvPr>
+        </p:nvSpPr>
+        <p:spPr>
+          <a:xfrm>
+            <a:off x="1007746" y="3006090"/>
+            <a:ext cx="6189344" cy="4421506"/>
+          </a:xfrm>
+        </p:spPr>
+        <p:txBody>
+          <a:bodyPr/>
+          <a:lstStyle/>
+          <a:p>
+            <a:pPr lvl="0"/>
+            <a:r>
+              <a:rPr lang="en-US" smtClean="0"/>
+              <a:t>Click to edit Master text styles</a:t>
+            </a:r>
+          </a:p>
+          <a:p>
+            <a:pPr lvl="1"/>
+            <a:r>
+              <a:rPr lang="en-US" smtClean="0"/>
+              <a:t>Second level</a:t>
+            </a:r>
+          </a:p>
+          <a:p>
+            <a:pPr lvl="2"/>
+            <a:r>
+              <a:rPr lang="en-US" smtClean="0"/>
+              <a:t>Third level</a:t>
+            </a:r>
+          </a:p>
+          <a:p>
+            <a:pPr lvl="3"/>
+            <a:r>
+              <a:rPr lang="en-US" smtClean="0"/>
+              <a:t>Fourth level</a:t>
+            </a:r>
+          </a:p>
+          <a:p>
+            <a:pPr lvl="4"/>
+            <a:r>
+              <a:rPr lang="en-US" smtClean="0"/>
+              <a:t>Fifth level</a:t>
+            </a:r>
+            <a:endParaRPr lang="en-US"/>
+          </a:p>
+        </p:txBody>
+      </p:sp>
+      <p:sp>
+        <p:nvSpPr>
+          <p:cNvPr id="5" name="Text Placeholder 4"/>
+          <p:cNvSpPr>
+            <a:spLocks noGrp="1"/>
+          </p:cNvSpPr>
+          <p:nvPr>
+            <p:ph type="body" sz="quarter" idx="3"/>
+          </p:nvPr>
+        </p:nvSpPr>
+        <p:spPr>
+          <a:xfrm>
+            <a:off x="7406640" y="2017396"/>
+            <a:ext cx="6219826" cy="988694"/>
+          </a:xfrm>
+        </p:spPr>
+        <p:txBody>
+          <a:bodyPr anchor="b"/>
+          <a:lstStyle>
+            <a:lvl1pPr marL="0" indent="0">
+              <a:buNone/>
+              <a:defRPr sz="2880" b="1"/>
+            </a:lvl1pPr>
+            <a:lvl2pPr marL="548640" indent="0">
+              <a:buNone/>
+              <a:defRPr sz="2400" b="1"/>
+            </a:lvl2pPr>
+            <a:lvl3pPr marL="1097280" indent="0">
+              <a:buNone/>
+              <a:defRPr sz="2160" b="1"/>
+            </a:lvl3pPr>
+            <a:lvl4pPr marL="1645920" indent="0">
+              <a:buNone/>
+              <a:defRPr sz="1920" b="1"/>
+            </a:lvl4pPr>
+            <a:lvl5pPr marL="2194560" indent="0">
+              <a:buNone/>
+              <a:defRPr sz="1920" b="1"/>
+            </a:lvl5pPr>
+            <a:lvl6pPr marL="2743200" indent="0">
+              <a:buNone/>
+              <a:defRPr sz="1920" b="1"/>
+            </a:lvl6pPr>
+            <a:lvl7pPr marL="3291840" indent="0">
+              <a:buNone/>
+              <a:defRPr sz="1920" b="1"/>
+            </a:lvl7pPr>
+            <a:lvl8pPr marL="3840480" indent="0">
+              <a:buNone/>
+              <a:defRPr sz="1920" b="1"/>
+            </a:lvl8pPr>
+            <a:lvl9pPr marL="4389120" indent="0">
+              <a:buNone/>
+              <a:defRPr sz="1920" b="1"/>
+            </a:lvl9pPr>
+          </a:lstStyle>
+          <a:p>
+            <a:pPr lvl="0"/>
+            <a:r>
+              <a:rPr lang="en-US" smtClean="0"/>
+              <a:t>Click to edit Master text styles</a:t>
+            </a:r>
+          </a:p>
+        </p:txBody>
+      </p:sp>
+      <p:sp>
+        <p:nvSpPr>
+          <p:cNvPr id="6" name="Content Placeholder 5"/>
+          <p:cNvSpPr>
+            <a:spLocks noGrp="1"/>
+          </p:cNvSpPr>
+          <p:nvPr>
+            <p:ph sz="quarter" idx="4"/>
+          </p:nvPr>
+        </p:nvSpPr>
+        <p:spPr>
+          <a:xfrm>
+            <a:off x="7406640" y="3006090"/>
+            <a:ext cx="6219826" cy="4421506"/>
+          </a:xfrm>
+        </p:spPr>
+        <p:txBody>
+          <a:bodyPr/>
+          <a:lstStyle/>
+          <a:p>
+            <a:pPr lvl="0"/>
+            <a:r>
+              <a:rPr lang="en-US" smtClean="0"/>
+              <a:t>Click to edit Master text styles</a:t>
+            </a:r>
+          </a:p>
+          <a:p>
+            <a:pPr lvl="1"/>
+            <a:r>
+              <a:rPr lang="en-US" smtClean="0"/>
+              <a:t>Second level</a:t>
+            </a:r>
+          </a:p>
+          <a:p>
+            <a:pPr lvl="2"/>
+            <a:r>
+              <a:rPr lang="en-US" smtClean="0"/>
+              <a:t>Third level</a:t>
+            </a:r>
+          </a:p>
+          <a:p>
+            <a:pPr lvl="3"/>
+            <a:r>
+              <a:rPr lang="en-US" smtClean="0"/>
+              <a:t>Fourth level</a:t>
+            </a:r>
+          </a:p>
+          <a:p>
+            <a:pPr lvl="4"/>
+            <a:r>
+              <a:rPr lang="en-US" smtClean="0"/>
+              <a:t>Fifth level</a:t>
+            </a:r>
+            <a:endParaRPr lang="en-US"/>
+          </a:p>
+        </p:txBody>
+      </p:sp>
+      <p:sp>
+        <p:nvSpPr>
+          <p:cNvPr id="7" name="Date Placeholder 6"/>
+          <p:cNvSpPr>
+            <a:spLocks noGrp="1"/>
+          </p:cNvSpPr>
+          <p:nvPr>
+            <p:ph type="dt" sz="half" idx="10"/>
+          </p:nvPr>
+        </p:nvSpPr>
+        <p:spPr/>
+        <p:txBody>
+          <a:bodyPr/>
+          <a:lstStyle/>
+          <a:p>
+            <a:fld id="{7945E9E4-EAFC-ED42-B4C7-D719C349FAB2}" type="datetimeFigureOut">
+              <a:rPr lang="en-US" smtClean="0"/>
+              <a:t>7/17/17</a:t>
+            </a:fld>
+            <a:endParaRPr lang="en-US"/>
+          </a:p>
+        </p:txBody>
+      </p:sp>
+      <p:sp>
+        <p:nvSpPr>
+          <p:cNvPr id="8" name="Footer Placeholder 7"/>
+          <p:cNvSpPr>
+            <a:spLocks noGrp="1"/>
+          </p:cNvSpPr>
+          <p:nvPr>
+            <p:ph type="ftr" sz="quarter" idx="11"/>
+          </p:nvPr>
+        </p:nvSpPr>
+        <p:spPr/>
+        <p:txBody>
+          <a:bodyPr/>
+          <a:lstStyle/>
+          <a:p>
+            <a:endParaRPr lang="en-US"/>
+          </a:p>
+        </p:txBody>
+      </p:sp>
+      <p:sp>
+        <p:nvSpPr>
+          <p:cNvPr id="9" name="Slide Number Placeholder 8"/>
+          <p:cNvSpPr>
+            <a:spLocks noGrp="1"/>
+          </p:cNvSpPr>
+          <p:nvPr>
+            <p:ph type="sldNum" sz="quarter" idx="12"/>
+          </p:nvPr>
+        </p:nvSpPr>
+        <p:spPr/>
+        <p:txBody>
+          <a:bodyPr/>
+          <a:lstStyle/>
+          <a:p>
+            <a:fld id="{4FCBA960-54CD-9549-9D36-6F92FCCFF0F5}" type="slidenum">
+              <a:rPr lang="en-US" smtClean="0"/>
+              <a:t>‹#›</a:t>
+            </a:fld>
+            <a:endParaRPr lang="en-US"/>
+          </a:p>
+        </p:txBody>
+      </p:sp>
+    </p:spTree>
+  </p:cSld>
+  <p:clrMapOvr>
+    <a:masterClrMapping/>
+  </p:clrMapOvr>
+</p:sldLayout>
+</file>
+
+<file path=ppt/slideLayouts/slideLayout16.xml><?xml version="1.0" encoding="utf-8"?>
+<p:sldLayout xmlns:a="http://schemas.openxmlformats.org/drawingml/2006/main" xmlns:r="http://schemas.openxmlformats.org/officeDocument/2006/relationships" xmlns:p="http://schemas.openxmlformats.org/presentationml/2006/main" type="titleOnly" preserve="1">
+  <p:cSld name="Title Only">
+    <p:spTree>
+      <p:nvGrpSpPr>
+        <p:cNvPr id="1" name=""/>
+        <p:cNvGrpSpPr/>
+        <p:nvPr/>
+      </p:nvGrpSpPr>
+      <p:grpSpPr>
+        <a:xfrm>
+          <a:off x="0" y="0"/>
+          <a:ext cx="0" cy="0"/>
+          <a:chOff x="0" y="0"/>
+          <a:chExt cx="0" cy="0"/>
+        </a:xfrm>
+      </p:grpSpPr>
+      <p:sp>
+        <p:nvSpPr>
+          <p:cNvPr id="2" name="Title 1"/>
+          <p:cNvSpPr>
+            <a:spLocks noGrp="1"/>
+          </p:cNvSpPr>
+          <p:nvPr>
+            <p:ph type="title"/>
+          </p:nvPr>
+        </p:nvSpPr>
+        <p:spPr/>
+        <p:txBody>
+          <a:bodyPr/>
+          <a:lstStyle/>
+          <a:p>
+            <a:r>
+              <a:rPr lang="en-US" smtClean="0"/>
+              <a:t>Click to edit Master title style</a:t>
+            </a:r>
+            <a:endParaRPr lang="en-US"/>
+          </a:p>
+        </p:txBody>
+      </p:sp>
+      <p:sp>
+        <p:nvSpPr>
+          <p:cNvPr id="3" name="Date Placeholder 2"/>
+          <p:cNvSpPr>
+            <a:spLocks noGrp="1"/>
+          </p:cNvSpPr>
+          <p:nvPr>
+            <p:ph type="dt" sz="half" idx="10"/>
+          </p:nvPr>
+        </p:nvSpPr>
+        <p:spPr/>
+        <p:txBody>
+          <a:bodyPr/>
+          <a:lstStyle/>
+          <a:p>
+            <a:fld id="{7945E9E4-EAFC-ED42-B4C7-D719C349FAB2}" type="datetimeFigureOut">
+              <a:rPr lang="en-US" smtClean="0"/>
+              <a:t>7/17/17</a:t>
+            </a:fld>
+            <a:endParaRPr lang="en-US"/>
+          </a:p>
+        </p:txBody>
+      </p:sp>
+      <p:sp>
+        <p:nvSpPr>
+          <p:cNvPr id="4" name="Footer Placeholder 3"/>
+          <p:cNvSpPr>
+            <a:spLocks noGrp="1"/>
+          </p:cNvSpPr>
+          <p:nvPr>
+            <p:ph type="ftr" sz="quarter" idx="11"/>
+          </p:nvPr>
+        </p:nvSpPr>
+        <p:spPr/>
+        <p:txBody>
+          <a:bodyPr/>
+          <a:lstStyle/>
+          <a:p>
+            <a:endParaRPr lang="en-US"/>
+          </a:p>
+        </p:txBody>
+      </p:sp>
+      <p:sp>
+        <p:nvSpPr>
+          <p:cNvPr id="5" name="Slide Number Placeholder 4"/>
+          <p:cNvSpPr>
+            <a:spLocks noGrp="1"/>
+          </p:cNvSpPr>
+          <p:nvPr>
+            <p:ph type="sldNum" sz="quarter" idx="12"/>
+          </p:nvPr>
+        </p:nvSpPr>
+        <p:spPr/>
+        <p:txBody>
+          <a:bodyPr/>
+          <a:lstStyle/>
+          <a:p>
+            <a:fld id="{4FCBA960-54CD-9549-9D36-6F92FCCFF0F5}" type="slidenum">
+              <a:rPr lang="en-US" smtClean="0"/>
+              <a:t>‹#›</a:t>
+            </a:fld>
+            <a:endParaRPr lang="en-US"/>
+          </a:p>
+        </p:txBody>
+      </p:sp>
+    </p:spTree>
+  </p:cSld>
+  <p:clrMapOvr>
+    <a:masterClrMapping/>
+  </p:clrMapOvr>
+</p:sldLayout>
+</file>
+
+<file path=ppt/slideLayouts/slideLayout17.xml><?xml version="1.0" encoding="utf-8"?>
+<p:sldLayout xmlns:a="http://schemas.openxmlformats.org/drawingml/2006/main" xmlns:r="http://schemas.openxmlformats.org/officeDocument/2006/relationships" xmlns:p="http://schemas.openxmlformats.org/presentationml/2006/main" type="blank" preserve="1">
+  <p:cSld name="Blank">
+    <p:spTree>
+      <p:nvGrpSpPr>
+        <p:cNvPr id="1" name=""/>
+        <p:cNvGrpSpPr/>
+        <p:nvPr/>
+      </p:nvGrpSpPr>
+      <p:grpSpPr>
+        <a:xfrm>
+          <a:off x="0" y="0"/>
+          <a:ext cx="0" cy="0"/>
+          <a:chOff x="0" y="0"/>
+          <a:chExt cx="0" cy="0"/>
+        </a:xfrm>
+      </p:grpSpPr>
+      <p:sp>
+        <p:nvSpPr>
+          <p:cNvPr id="2" name="Date Placeholder 1"/>
+          <p:cNvSpPr>
+            <a:spLocks noGrp="1"/>
+          </p:cNvSpPr>
+          <p:nvPr>
+            <p:ph type="dt" sz="half" idx="10"/>
+          </p:nvPr>
+        </p:nvSpPr>
+        <p:spPr/>
+        <p:txBody>
+          <a:bodyPr/>
+          <a:lstStyle/>
+          <a:p>
+            <a:fld id="{7945E9E4-EAFC-ED42-B4C7-D719C349FAB2}" type="datetimeFigureOut">
+              <a:rPr lang="en-US" smtClean="0"/>
+              <a:t>7/17/17</a:t>
+            </a:fld>
+            <a:endParaRPr lang="en-US"/>
+          </a:p>
+        </p:txBody>
+      </p:sp>
+      <p:sp>
+        <p:nvSpPr>
+          <p:cNvPr id="3" name="Footer Placeholder 2"/>
+          <p:cNvSpPr>
+            <a:spLocks noGrp="1"/>
+          </p:cNvSpPr>
+          <p:nvPr>
+            <p:ph type="ftr" sz="quarter" idx="11"/>
+          </p:nvPr>
+        </p:nvSpPr>
+        <p:spPr/>
+        <p:txBody>
+          <a:bodyPr/>
+          <a:lstStyle/>
+          <a:p>
+            <a:endParaRPr lang="en-US"/>
+          </a:p>
+        </p:txBody>
+      </p:sp>
+      <p:sp>
+        <p:nvSpPr>
+          <p:cNvPr id="4" name="Slide Number Placeholder 3"/>
+          <p:cNvSpPr>
+            <a:spLocks noGrp="1"/>
+          </p:cNvSpPr>
+          <p:nvPr>
+            <p:ph type="sldNum" sz="quarter" idx="12"/>
+          </p:nvPr>
+        </p:nvSpPr>
+        <p:spPr/>
+        <p:txBody>
+          <a:bodyPr/>
+          <a:lstStyle/>
+          <a:p>
+            <a:fld id="{4FCBA960-54CD-9549-9D36-6F92FCCFF0F5}" type="slidenum">
+              <a:rPr lang="en-US" smtClean="0"/>
+              <a:t>‹#›</a:t>
+            </a:fld>
+            <a:endParaRPr lang="en-US"/>
+          </a:p>
+        </p:txBody>
+      </p:sp>
+    </p:spTree>
+  </p:cSld>
+  <p:clrMapOvr>
+    <a:masterClrMapping/>
+  </p:clrMapOvr>
+</p:sldLayout>
+</file>
+
+<file path=ppt/slideLayouts/slideLayout18.xml><?xml version="1.0" encoding="utf-8"?>
+<p:sldLayout xmlns:a="http://schemas.openxmlformats.org/drawingml/2006/main" xmlns:r="http://schemas.openxmlformats.org/officeDocument/2006/relationships" xmlns:p="http://schemas.openxmlformats.org/presentationml/2006/main" type="objTx" preserve="1">
+  <p:cSld name="Content with Caption">
+    <p:spTree>
+      <p:nvGrpSpPr>
+        <p:cNvPr id="1" name=""/>
+        <p:cNvGrpSpPr/>
+        <p:nvPr/>
+      </p:nvGrpSpPr>
+      <p:grpSpPr>
+        <a:xfrm>
+          <a:off x="0" y="0"/>
+          <a:ext cx="0" cy="0"/>
+          <a:chOff x="0" y="0"/>
+          <a:chExt cx="0" cy="0"/>
+        </a:xfrm>
+      </p:grpSpPr>
+      <p:sp>
+        <p:nvSpPr>
+          <p:cNvPr id="2" name="Title 1"/>
+          <p:cNvSpPr>
+            <a:spLocks noGrp="1"/>
+          </p:cNvSpPr>
+          <p:nvPr>
+            <p:ph type="title"/>
+          </p:nvPr>
+        </p:nvSpPr>
+        <p:spPr>
+          <a:xfrm>
+            <a:off x="1007746" y="548640"/>
+            <a:ext cx="4718684" cy="1920240"/>
+          </a:xfrm>
+        </p:spPr>
+        <p:txBody>
+          <a:bodyPr anchor="b"/>
+          <a:lstStyle>
+            <a:lvl1pPr>
+              <a:defRPr sz="3840"/>
+            </a:lvl1pPr>
+          </a:lstStyle>
+          <a:p>
+            <a:r>
+              <a:rPr lang="en-US" smtClean="0"/>
+              <a:t>Click to edit Master title style</a:t>
+            </a:r>
+            <a:endParaRPr lang="en-US"/>
+          </a:p>
+        </p:txBody>
+      </p:sp>
+      <p:sp>
+        <p:nvSpPr>
+          <p:cNvPr id="3" name="Content Placeholder 2"/>
+          <p:cNvSpPr>
+            <a:spLocks noGrp="1"/>
+          </p:cNvSpPr>
+          <p:nvPr>
+            <p:ph idx="1"/>
+          </p:nvPr>
+        </p:nvSpPr>
+        <p:spPr>
+          <a:xfrm>
+            <a:off x="6219826" y="1184911"/>
+            <a:ext cx="7406640" cy="5848350"/>
+          </a:xfrm>
+        </p:spPr>
+        <p:txBody>
+          <a:bodyPr/>
+          <a:lstStyle>
+            <a:lvl1pPr>
+              <a:defRPr sz="3840"/>
+            </a:lvl1pPr>
+            <a:lvl2pPr>
+              <a:defRPr sz="3360"/>
+            </a:lvl2pPr>
+            <a:lvl3pPr>
+              <a:defRPr sz="2880"/>
+            </a:lvl3pPr>
+            <a:lvl4pPr>
+              <a:defRPr sz="2400"/>
+            </a:lvl4pPr>
+            <a:lvl5pPr>
+              <a:defRPr sz="2400"/>
+            </a:lvl5pPr>
+            <a:lvl6pPr>
+              <a:defRPr sz="2400"/>
+            </a:lvl6pPr>
+            <a:lvl7pPr>
+              <a:defRPr sz="2400"/>
+            </a:lvl7pPr>
+            <a:lvl8pPr>
+              <a:defRPr sz="2400"/>
+            </a:lvl8pPr>
+            <a:lvl9pPr>
+              <a:defRPr sz="2400"/>
+            </a:lvl9pPr>
+          </a:lstStyle>
+          <a:p>
+            <a:pPr lvl="0"/>
+            <a:r>
+              <a:rPr lang="en-US" smtClean="0"/>
+              <a:t>Click to edit Master text styles</a:t>
+            </a:r>
+          </a:p>
+          <a:p>
+            <a:pPr lvl="1"/>
+            <a:r>
+              <a:rPr lang="en-US" smtClean="0"/>
+              <a:t>Second level</a:t>
+            </a:r>
+          </a:p>
+          <a:p>
+            <a:pPr lvl="2"/>
+            <a:r>
+              <a:rPr lang="en-US" smtClean="0"/>
+              <a:t>Third level</a:t>
+            </a:r>
+          </a:p>
+          <a:p>
+            <a:pPr lvl="3"/>
+            <a:r>
+              <a:rPr lang="en-US" smtClean="0"/>
+              <a:t>Fourth level</a:t>
+            </a:r>
+          </a:p>
+          <a:p>
+            <a:pPr lvl="4"/>
+            <a:r>
+              <a:rPr lang="en-US" smtClean="0"/>
+              <a:t>Fifth level</a:t>
+            </a:r>
+            <a:endParaRPr lang="en-US"/>
+          </a:p>
+        </p:txBody>
+      </p:sp>
+      <p:sp>
+        <p:nvSpPr>
+          <p:cNvPr id="4" name="Text Placeholder 3"/>
+          <p:cNvSpPr>
+            <a:spLocks noGrp="1"/>
+          </p:cNvSpPr>
+          <p:nvPr>
+            <p:ph type="body" sz="half" idx="2"/>
+          </p:nvPr>
+        </p:nvSpPr>
+        <p:spPr>
+          <a:xfrm>
+            <a:off x="1007746" y="2468880"/>
+            <a:ext cx="4718684" cy="4573906"/>
+          </a:xfrm>
+        </p:spPr>
+        <p:txBody>
+          <a:bodyPr/>
+          <a:lstStyle>
+            <a:lvl1pPr marL="0" indent="0">
+              <a:buNone/>
+              <a:defRPr sz="1920"/>
+            </a:lvl1pPr>
+            <a:lvl2pPr marL="548640" indent="0">
+              <a:buNone/>
+              <a:defRPr sz="1680"/>
+            </a:lvl2pPr>
+            <a:lvl3pPr marL="1097280" indent="0">
+              <a:buNone/>
+              <a:defRPr sz="1440"/>
+            </a:lvl3pPr>
+            <a:lvl4pPr marL="1645920" indent="0">
+              <a:buNone/>
+              <a:defRPr sz="1200"/>
+            </a:lvl4pPr>
+            <a:lvl5pPr marL="2194560" indent="0">
+              <a:buNone/>
+              <a:defRPr sz="1200"/>
+            </a:lvl5pPr>
+            <a:lvl6pPr marL="2743200" indent="0">
+              <a:buNone/>
+              <a:defRPr sz="1200"/>
+            </a:lvl6pPr>
+            <a:lvl7pPr marL="3291840" indent="0">
+              <a:buNone/>
+              <a:defRPr sz="1200"/>
+            </a:lvl7pPr>
+            <a:lvl8pPr marL="3840480" indent="0">
+              <a:buNone/>
+              <a:defRPr sz="1200"/>
+            </a:lvl8pPr>
+            <a:lvl9pPr marL="4389120" indent="0">
+              <a:buNone/>
+              <a:defRPr sz="1200"/>
+            </a:lvl9pPr>
+          </a:lstStyle>
+          <a:p>
+            <a:pPr lvl="0"/>
+            <a:r>
+              <a:rPr lang="en-US" smtClean="0"/>
+              <a:t>Click to edit Master text styles</a:t>
+            </a:r>
+          </a:p>
+        </p:txBody>
+      </p:sp>
+      <p:sp>
+        <p:nvSpPr>
+          <p:cNvPr id="5" name="Date Placeholder 4"/>
+          <p:cNvSpPr>
+            <a:spLocks noGrp="1"/>
+          </p:cNvSpPr>
+          <p:nvPr>
+            <p:ph type="dt" sz="half" idx="10"/>
+          </p:nvPr>
+        </p:nvSpPr>
+        <p:spPr/>
+        <p:txBody>
+          <a:bodyPr/>
+          <a:lstStyle/>
+          <a:p>
+            <a:fld id="{7945E9E4-EAFC-ED42-B4C7-D719C349FAB2}" type="datetimeFigureOut">
+              <a:rPr lang="en-US" smtClean="0"/>
+              <a:t>7/17/17</a:t>
+            </a:fld>
+            <a:endParaRPr lang="en-US"/>
+          </a:p>
+        </p:txBody>
+      </p:sp>
+      <p:sp>
+        <p:nvSpPr>
+          <p:cNvPr id="6" name="Footer Placeholder 5"/>
+          <p:cNvSpPr>
+            <a:spLocks noGrp="1"/>
+          </p:cNvSpPr>
+          <p:nvPr>
+            <p:ph type="ftr" sz="quarter" idx="11"/>
+          </p:nvPr>
+        </p:nvSpPr>
+        <p:spPr/>
+        <p:txBody>
+          <a:bodyPr/>
+          <a:lstStyle/>
+          <a:p>
+            <a:endParaRPr lang="en-US"/>
+          </a:p>
+        </p:txBody>
+      </p:sp>
+      <p:sp>
+        <p:nvSpPr>
+          <p:cNvPr id="7" name="Slide Number Placeholder 6"/>
+          <p:cNvSpPr>
+            <a:spLocks noGrp="1"/>
+          </p:cNvSpPr>
+          <p:nvPr>
+            <p:ph type="sldNum" sz="quarter" idx="12"/>
+          </p:nvPr>
+        </p:nvSpPr>
+        <p:spPr/>
+        <p:txBody>
+          <a:bodyPr/>
+          <a:lstStyle/>
+          <a:p>
+            <a:fld id="{4FCBA960-54CD-9549-9D36-6F92FCCFF0F5}" type="slidenum">
+              <a:rPr lang="en-US" smtClean="0"/>
+              <a:t>‹#›</a:t>
+            </a:fld>
+            <a:endParaRPr lang="en-US"/>
+          </a:p>
+        </p:txBody>
+      </p:sp>
+    </p:spTree>
+  </p:cSld>
+  <p:clrMapOvr>
+    <a:masterClrMapping/>
+  </p:clrMapOvr>
+</p:sldLayout>
+</file>
+
+<file path=ppt/slideLayouts/slideLayout19.xml><?xml version="1.0" encoding="utf-8"?>
+<p:sldLayout xmlns:a="http://schemas.openxmlformats.org/drawingml/2006/main" xmlns:r="http://schemas.openxmlformats.org/officeDocument/2006/relationships" xmlns:p="http://schemas.openxmlformats.org/presentationml/2006/main" type="picTx" preserve="1">
+  <p:cSld name="Picture with Caption">
+    <p:spTree>
+      <p:nvGrpSpPr>
+        <p:cNvPr id="1" name=""/>
+        <p:cNvGrpSpPr/>
+        <p:nvPr/>
+      </p:nvGrpSpPr>
+      <p:grpSpPr>
+        <a:xfrm>
+          <a:off x="0" y="0"/>
+          <a:ext cx="0" cy="0"/>
+          <a:chOff x="0" y="0"/>
+          <a:chExt cx="0" cy="0"/>
+        </a:xfrm>
+      </p:grpSpPr>
+      <p:sp>
+        <p:nvSpPr>
+          <p:cNvPr id="2" name="Title 1"/>
+          <p:cNvSpPr>
+            <a:spLocks noGrp="1"/>
+          </p:cNvSpPr>
+          <p:nvPr>
+            <p:ph type="title"/>
+          </p:nvPr>
+        </p:nvSpPr>
+        <p:spPr>
+          <a:xfrm>
+            <a:off x="1007746" y="548640"/>
+            <a:ext cx="4718684" cy="1920240"/>
+          </a:xfrm>
+        </p:spPr>
+        <p:txBody>
+          <a:bodyPr anchor="b"/>
+          <a:lstStyle>
+            <a:lvl1pPr>
+              <a:defRPr sz="3840"/>
+            </a:lvl1pPr>
+          </a:lstStyle>
+          <a:p>
+            <a:r>
+              <a:rPr lang="en-US" smtClean="0"/>
+              <a:t>Click to edit Master title style</a:t>
+            </a:r>
+            <a:endParaRPr lang="en-US"/>
+          </a:p>
+        </p:txBody>
+      </p:sp>
+      <p:sp>
+        <p:nvSpPr>
+          <p:cNvPr id="3" name="Picture Placeholder 2"/>
+          <p:cNvSpPr>
+            <a:spLocks noGrp="1"/>
+          </p:cNvSpPr>
+          <p:nvPr>
+            <p:ph type="pic" idx="1"/>
+          </p:nvPr>
+        </p:nvSpPr>
+        <p:spPr>
+          <a:xfrm>
+            <a:off x="6219826" y="1184911"/>
+            <a:ext cx="7406640" cy="5848350"/>
+          </a:xfrm>
+        </p:spPr>
+        <p:txBody>
+          <a:bodyPr/>
+          <a:lstStyle>
+            <a:lvl1pPr marL="0" indent="0">
+              <a:buNone/>
+              <a:defRPr sz="3840"/>
+            </a:lvl1pPr>
+            <a:lvl2pPr marL="548640" indent="0">
+              <a:buNone/>
+              <a:defRPr sz="3360"/>
+            </a:lvl2pPr>
+            <a:lvl3pPr marL="1097280" indent="0">
+              <a:buNone/>
+              <a:defRPr sz="2880"/>
+            </a:lvl3pPr>
+            <a:lvl4pPr marL="1645920" indent="0">
+              <a:buNone/>
+              <a:defRPr sz="2400"/>
+            </a:lvl4pPr>
+            <a:lvl5pPr marL="2194560" indent="0">
+              <a:buNone/>
+              <a:defRPr sz="2400"/>
+            </a:lvl5pPr>
+            <a:lvl6pPr marL="2743200" indent="0">
+              <a:buNone/>
+              <a:defRPr sz="2400"/>
+            </a:lvl6pPr>
+            <a:lvl7pPr marL="3291840" indent="0">
+              <a:buNone/>
+              <a:defRPr sz="2400"/>
+            </a:lvl7pPr>
+            <a:lvl8pPr marL="3840480" indent="0">
+              <a:buNone/>
+              <a:defRPr sz="2400"/>
+            </a:lvl8pPr>
+            <a:lvl9pPr marL="4389120" indent="0">
+              <a:buNone/>
+              <a:defRPr sz="2400"/>
+            </a:lvl9pPr>
+          </a:lstStyle>
+          <a:p>
+            <a:endParaRPr lang="en-US"/>
+          </a:p>
+        </p:txBody>
+      </p:sp>
+      <p:sp>
+        <p:nvSpPr>
+          <p:cNvPr id="4" name="Text Placeholder 3"/>
+          <p:cNvSpPr>
+            <a:spLocks noGrp="1"/>
+          </p:cNvSpPr>
+          <p:nvPr>
+            <p:ph type="body" sz="half" idx="2"/>
+          </p:nvPr>
+        </p:nvSpPr>
+        <p:spPr>
+          <a:xfrm>
+            <a:off x="1007746" y="2468880"/>
+            <a:ext cx="4718684" cy="4573906"/>
+          </a:xfrm>
+        </p:spPr>
+        <p:txBody>
+          <a:bodyPr/>
+          <a:lstStyle>
+            <a:lvl1pPr marL="0" indent="0">
+              <a:buNone/>
+              <a:defRPr sz="1920"/>
+            </a:lvl1pPr>
+            <a:lvl2pPr marL="548640" indent="0">
+              <a:buNone/>
+              <a:defRPr sz="1680"/>
+            </a:lvl2pPr>
+            <a:lvl3pPr marL="1097280" indent="0">
+              <a:buNone/>
+              <a:defRPr sz="1440"/>
+            </a:lvl3pPr>
+            <a:lvl4pPr marL="1645920" indent="0">
+              <a:buNone/>
+              <a:defRPr sz="1200"/>
+            </a:lvl4pPr>
+            <a:lvl5pPr marL="2194560" indent="0">
+              <a:buNone/>
+              <a:defRPr sz="1200"/>
+            </a:lvl5pPr>
+            <a:lvl6pPr marL="2743200" indent="0">
+              <a:buNone/>
+              <a:defRPr sz="1200"/>
+            </a:lvl6pPr>
+            <a:lvl7pPr marL="3291840" indent="0">
+              <a:buNone/>
+              <a:defRPr sz="1200"/>
+            </a:lvl7pPr>
+            <a:lvl8pPr marL="3840480" indent="0">
+              <a:buNone/>
+              <a:defRPr sz="1200"/>
+            </a:lvl8pPr>
+            <a:lvl9pPr marL="4389120" indent="0">
+              <a:buNone/>
+              <a:defRPr sz="1200"/>
+            </a:lvl9pPr>
+          </a:lstStyle>
+          <a:p>
+            <a:pPr lvl="0"/>
+            <a:r>
+              <a:rPr lang="en-US" smtClean="0"/>
+              <a:t>Click to edit Master text styles</a:t>
+            </a:r>
+          </a:p>
+        </p:txBody>
+      </p:sp>
+      <p:sp>
+        <p:nvSpPr>
+          <p:cNvPr id="5" name="Date Placeholder 4"/>
+          <p:cNvSpPr>
+            <a:spLocks noGrp="1"/>
+          </p:cNvSpPr>
+          <p:nvPr>
+            <p:ph type="dt" sz="half" idx="10"/>
+          </p:nvPr>
+        </p:nvSpPr>
+        <p:spPr/>
+        <p:txBody>
+          <a:bodyPr/>
+          <a:lstStyle/>
+          <a:p>
+            <a:fld id="{7945E9E4-EAFC-ED42-B4C7-D719C349FAB2}" type="datetimeFigureOut">
+              <a:rPr lang="en-US" smtClean="0"/>
+              <a:t>7/17/17</a:t>
+            </a:fld>
+            <a:endParaRPr lang="en-US"/>
+          </a:p>
+        </p:txBody>
+      </p:sp>
+      <p:sp>
+        <p:nvSpPr>
+          <p:cNvPr id="6" name="Footer Placeholder 5"/>
+          <p:cNvSpPr>
+            <a:spLocks noGrp="1"/>
+          </p:cNvSpPr>
+          <p:nvPr>
+            <p:ph type="ftr" sz="quarter" idx="11"/>
+          </p:nvPr>
+        </p:nvSpPr>
+        <p:spPr/>
+        <p:txBody>
+          <a:bodyPr/>
+          <a:lstStyle/>
+          <a:p>
+            <a:endParaRPr lang="en-US"/>
+          </a:p>
+        </p:txBody>
+      </p:sp>
+      <p:sp>
+        <p:nvSpPr>
+          <p:cNvPr id="7" name="Slide Number Placeholder 6"/>
+          <p:cNvSpPr>
+            <a:spLocks noGrp="1"/>
+          </p:cNvSpPr>
+          <p:nvPr>
+            <p:ph type="sldNum" sz="quarter" idx="12"/>
+          </p:nvPr>
+        </p:nvSpPr>
+        <p:spPr/>
+        <p:txBody>
+          <a:bodyPr/>
+          <a:lstStyle/>
+          <a:p>
+            <a:fld id="{4FCBA960-54CD-9549-9D36-6F92FCCFF0F5}" type="slidenum">
+              <a:rPr lang="en-US" smtClean="0"/>
+              <a:t>‹#›</a:t>
+            </a:fld>
+            <a:endParaRPr lang="en-US"/>
+          </a:p>
+        </p:txBody>
+      </p:sp>
+    </p:spTree>
+  </p:cSld>
+  <p:clrMapOvr>
+    <a:masterClrMapping/>
+  </p:clrMapOvr>
+</p:sldLayout>
+</file>
+
 <file path=ppt/slideLayouts/slideLayout2.xml><?xml version="1.0" encoding="utf-8"?>
 <p:sldLayout xmlns:a="http://schemas.openxmlformats.org/drawingml/2006/main" xmlns:r="http://schemas.openxmlformats.org/officeDocument/2006/relationships" xmlns:p="http://schemas.openxmlformats.org/presentationml/2006/main" showMasterSp="0" preserve="1" userDrawn="1">
   <p:cSld name="Two Subtitles">
@@ -1195,6 +3103,1005 @@
   <p:clrMapOvr>
     <a:masterClrMapping/>
   </p:clrMapOvr>
+</p:sldLayout>
+</file>
+
+<file path=ppt/slideLayouts/slideLayout20.xml><?xml version="1.0" encoding="utf-8"?>
+<p:sldLayout xmlns:a="http://schemas.openxmlformats.org/drawingml/2006/main" xmlns:r="http://schemas.openxmlformats.org/officeDocument/2006/relationships" xmlns:p="http://schemas.openxmlformats.org/presentationml/2006/main" type="vertTx" preserve="1">
+  <p:cSld name="Title and Vertical Text">
+    <p:spTree>
+      <p:nvGrpSpPr>
+        <p:cNvPr id="1" name=""/>
+        <p:cNvGrpSpPr/>
+        <p:nvPr/>
+      </p:nvGrpSpPr>
+      <p:grpSpPr>
+        <a:xfrm>
+          <a:off x="0" y="0"/>
+          <a:ext cx="0" cy="0"/>
+          <a:chOff x="0" y="0"/>
+          <a:chExt cx="0" cy="0"/>
+        </a:xfrm>
+      </p:grpSpPr>
+      <p:sp>
+        <p:nvSpPr>
+          <p:cNvPr id="2" name="Title 1"/>
+          <p:cNvSpPr>
+            <a:spLocks noGrp="1"/>
+          </p:cNvSpPr>
+          <p:nvPr>
+            <p:ph type="title"/>
+          </p:nvPr>
+        </p:nvSpPr>
+        <p:spPr/>
+        <p:txBody>
+          <a:bodyPr/>
+          <a:lstStyle/>
+          <a:p>
+            <a:r>
+              <a:rPr lang="en-US" smtClean="0"/>
+              <a:t>Click to edit Master title style</a:t>
+            </a:r>
+            <a:endParaRPr lang="en-US"/>
+          </a:p>
+        </p:txBody>
+      </p:sp>
+      <p:sp>
+        <p:nvSpPr>
+          <p:cNvPr id="3" name="Vertical Text Placeholder 2"/>
+          <p:cNvSpPr>
+            <a:spLocks noGrp="1"/>
+          </p:cNvSpPr>
+          <p:nvPr>
+            <p:ph type="body" orient="vert" idx="1"/>
+          </p:nvPr>
+        </p:nvSpPr>
+        <p:spPr/>
+        <p:txBody>
+          <a:bodyPr vert="eaVert"/>
+          <a:lstStyle/>
+          <a:p>
+            <a:pPr lvl="0"/>
+            <a:r>
+              <a:rPr lang="en-US" smtClean="0"/>
+              <a:t>Click to edit Master text styles</a:t>
+            </a:r>
+          </a:p>
+          <a:p>
+            <a:pPr lvl="1"/>
+            <a:r>
+              <a:rPr lang="en-US" smtClean="0"/>
+              <a:t>Second level</a:t>
+            </a:r>
+          </a:p>
+          <a:p>
+            <a:pPr lvl="2"/>
+            <a:r>
+              <a:rPr lang="en-US" smtClean="0"/>
+              <a:t>Third level</a:t>
+            </a:r>
+          </a:p>
+          <a:p>
+            <a:pPr lvl="3"/>
+            <a:r>
+              <a:rPr lang="en-US" smtClean="0"/>
+              <a:t>Fourth level</a:t>
+            </a:r>
+          </a:p>
+          <a:p>
+            <a:pPr lvl="4"/>
+            <a:r>
+              <a:rPr lang="en-US" smtClean="0"/>
+              <a:t>Fifth level</a:t>
+            </a:r>
+            <a:endParaRPr lang="en-US"/>
+          </a:p>
+        </p:txBody>
+      </p:sp>
+      <p:sp>
+        <p:nvSpPr>
+          <p:cNvPr id="4" name="Date Placeholder 3"/>
+          <p:cNvSpPr>
+            <a:spLocks noGrp="1"/>
+          </p:cNvSpPr>
+          <p:nvPr>
+            <p:ph type="dt" sz="half" idx="10"/>
+          </p:nvPr>
+        </p:nvSpPr>
+        <p:spPr/>
+        <p:txBody>
+          <a:bodyPr/>
+          <a:lstStyle/>
+          <a:p>
+            <a:fld id="{7945E9E4-EAFC-ED42-B4C7-D719C349FAB2}" type="datetimeFigureOut">
+              <a:rPr lang="en-US" smtClean="0"/>
+              <a:t>7/17/17</a:t>
+            </a:fld>
+            <a:endParaRPr lang="en-US"/>
+          </a:p>
+        </p:txBody>
+      </p:sp>
+      <p:sp>
+        <p:nvSpPr>
+          <p:cNvPr id="5" name="Footer Placeholder 4"/>
+          <p:cNvSpPr>
+            <a:spLocks noGrp="1"/>
+          </p:cNvSpPr>
+          <p:nvPr>
+            <p:ph type="ftr" sz="quarter" idx="11"/>
+          </p:nvPr>
+        </p:nvSpPr>
+        <p:spPr/>
+        <p:txBody>
+          <a:bodyPr/>
+          <a:lstStyle/>
+          <a:p>
+            <a:endParaRPr lang="en-US"/>
+          </a:p>
+        </p:txBody>
+      </p:sp>
+      <p:sp>
+        <p:nvSpPr>
+          <p:cNvPr id="6" name="Slide Number Placeholder 5"/>
+          <p:cNvSpPr>
+            <a:spLocks noGrp="1"/>
+          </p:cNvSpPr>
+          <p:nvPr>
+            <p:ph type="sldNum" sz="quarter" idx="12"/>
+          </p:nvPr>
+        </p:nvSpPr>
+        <p:spPr/>
+        <p:txBody>
+          <a:bodyPr/>
+          <a:lstStyle/>
+          <a:p>
+            <a:fld id="{4FCBA960-54CD-9549-9D36-6F92FCCFF0F5}" type="slidenum">
+              <a:rPr lang="en-US" smtClean="0"/>
+              <a:t>‹#›</a:t>
+            </a:fld>
+            <a:endParaRPr lang="en-US"/>
+          </a:p>
+        </p:txBody>
+      </p:sp>
+    </p:spTree>
+  </p:cSld>
+  <p:clrMapOvr>
+    <a:masterClrMapping/>
+  </p:clrMapOvr>
+</p:sldLayout>
+</file>
+
+<file path=ppt/slideLayouts/slideLayout21.xml><?xml version="1.0" encoding="utf-8"?>
+<p:sldLayout xmlns:a="http://schemas.openxmlformats.org/drawingml/2006/main" xmlns:r="http://schemas.openxmlformats.org/officeDocument/2006/relationships" xmlns:p="http://schemas.openxmlformats.org/presentationml/2006/main" type="vertTitleAndTx" preserve="1">
+  <p:cSld name="Vertical Title and Text">
+    <p:spTree>
+      <p:nvGrpSpPr>
+        <p:cNvPr id="1" name=""/>
+        <p:cNvGrpSpPr/>
+        <p:nvPr/>
+      </p:nvGrpSpPr>
+      <p:grpSpPr>
+        <a:xfrm>
+          <a:off x="0" y="0"/>
+          <a:ext cx="0" cy="0"/>
+          <a:chOff x="0" y="0"/>
+          <a:chExt cx="0" cy="0"/>
+        </a:xfrm>
+      </p:grpSpPr>
+      <p:sp>
+        <p:nvSpPr>
+          <p:cNvPr id="2" name="Vertical Title 1"/>
+          <p:cNvSpPr>
+            <a:spLocks noGrp="1"/>
+          </p:cNvSpPr>
+          <p:nvPr>
+            <p:ph type="title" orient="vert"/>
+          </p:nvPr>
+        </p:nvSpPr>
+        <p:spPr>
+          <a:xfrm>
+            <a:off x="10469880" y="438150"/>
+            <a:ext cx="3154680" cy="6974206"/>
+          </a:xfrm>
+        </p:spPr>
+        <p:txBody>
+          <a:bodyPr vert="eaVert"/>
+          <a:lstStyle/>
+          <a:p>
+            <a:r>
+              <a:rPr lang="en-US" smtClean="0"/>
+              <a:t>Click to edit Master title style</a:t>
+            </a:r>
+            <a:endParaRPr lang="en-US"/>
+          </a:p>
+        </p:txBody>
+      </p:sp>
+      <p:sp>
+        <p:nvSpPr>
+          <p:cNvPr id="3" name="Vertical Text Placeholder 2"/>
+          <p:cNvSpPr>
+            <a:spLocks noGrp="1"/>
+          </p:cNvSpPr>
+          <p:nvPr>
+            <p:ph type="body" orient="vert" idx="1"/>
+          </p:nvPr>
+        </p:nvSpPr>
+        <p:spPr>
+          <a:xfrm>
+            <a:off x="1005840" y="438150"/>
+            <a:ext cx="9281160" cy="6974206"/>
+          </a:xfrm>
+        </p:spPr>
+        <p:txBody>
+          <a:bodyPr vert="eaVert"/>
+          <a:lstStyle/>
+          <a:p>
+            <a:pPr lvl="0"/>
+            <a:r>
+              <a:rPr lang="en-US" smtClean="0"/>
+              <a:t>Click to edit Master text styles</a:t>
+            </a:r>
+          </a:p>
+          <a:p>
+            <a:pPr lvl="1"/>
+            <a:r>
+              <a:rPr lang="en-US" smtClean="0"/>
+              <a:t>Second level</a:t>
+            </a:r>
+          </a:p>
+          <a:p>
+            <a:pPr lvl="2"/>
+            <a:r>
+              <a:rPr lang="en-US" smtClean="0"/>
+              <a:t>Third level</a:t>
+            </a:r>
+          </a:p>
+          <a:p>
+            <a:pPr lvl="3"/>
+            <a:r>
+              <a:rPr lang="en-US" smtClean="0"/>
+              <a:t>Fourth level</a:t>
+            </a:r>
+          </a:p>
+          <a:p>
+            <a:pPr lvl="4"/>
+            <a:r>
+              <a:rPr lang="en-US" smtClean="0"/>
+              <a:t>Fifth level</a:t>
+            </a:r>
+            <a:endParaRPr lang="en-US"/>
+          </a:p>
+        </p:txBody>
+      </p:sp>
+      <p:sp>
+        <p:nvSpPr>
+          <p:cNvPr id="4" name="Date Placeholder 3"/>
+          <p:cNvSpPr>
+            <a:spLocks noGrp="1"/>
+          </p:cNvSpPr>
+          <p:nvPr>
+            <p:ph type="dt" sz="half" idx="10"/>
+          </p:nvPr>
+        </p:nvSpPr>
+        <p:spPr/>
+        <p:txBody>
+          <a:bodyPr/>
+          <a:lstStyle/>
+          <a:p>
+            <a:fld id="{7945E9E4-EAFC-ED42-B4C7-D719C349FAB2}" type="datetimeFigureOut">
+              <a:rPr lang="en-US" smtClean="0"/>
+              <a:t>7/17/17</a:t>
+            </a:fld>
+            <a:endParaRPr lang="en-US"/>
+          </a:p>
+        </p:txBody>
+      </p:sp>
+      <p:sp>
+        <p:nvSpPr>
+          <p:cNvPr id="5" name="Footer Placeholder 4"/>
+          <p:cNvSpPr>
+            <a:spLocks noGrp="1"/>
+          </p:cNvSpPr>
+          <p:nvPr>
+            <p:ph type="ftr" sz="quarter" idx="11"/>
+          </p:nvPr>
+        </p:nvSpPr>
+        <p:spPr/>
+        <p:txBody>
+          <a:bodyPr/>
+          <a:lstStyle/>
+          <a:p>
+            <a:endParaRPr lang="en-US"/>
+          </a:p>
+        </p:txBody>
+      </p:sp>
+      <p:sp>
+        <p:nvSpPr>
+          <p:cNvPr id="6" name="Slide Number Placeholder 5"/>
+          <p:cNvSpPr>
+            <a:spLocks noGrp="1"/>
+          </p:cNvSpPr>
+          <p:nvPr>
+            <p:ph type="sldNum" sz="quarter" idx="12"/>
+          </p:nvPr>
+        </p:nvSpPr>
+        <p:spPr/>
+        <p:txBody>
+          <a:bodyPr/>
+          <a:lstStyle/>
+          <a:p>
+            <a:fld id="{4FCBA960-54CD-9549-9D36-6F92FCCFF0F5}" type="slidenum">
+              <a:rPr lang="en-US" smtClean="0"/>
+              <a:t>‹#›</a:t>
+            </a:fld>
+            <a:endParaRPr lang="en-US"/>
+          </a:p>
+        </p:txBody>
+      </p:sp>
+    </p:spTree>
+  </p:cSld>
+  <p:clrMapOvr>
+    <a:masterClrMapping/>
+  </p:clrMapOvr>
+</p:sldLayout>
+</file>
+
+<file path=ppt/slideLayouts/slideLayout22.xml><?xml version="1.0" encoding="utf-8"?>
+<p:sldLayout xmlns:a="http://schemas.openxmlformats.org/drawingml/2006/main" xmlns:r="http://schemas.openxmlformats.org/officeDocument/2006/relationships" xmlns:p="http://schemas.openxmlformats.org/presentationml/2006/main" showMasterSp="0" userDrawn="1">
+  <p:cSld name="Two Subtitles">
+    <p:spTree>
+      <p:nvGrpSpPr>
+        <p:cNvPr id="1" name=""/>
+        <p:cNvGrpSpPr/>
+        <p:nvPr/>
+      </p:nvGrpSpPr>
+      <p:grpSpPr>
+        <a:xfrm>
+          <a:off x="0" y="0"/>
+          <a:ext cx="0" cy="0"/>
+          <a:chOff x="0" y="0"/>
+          <a:chExt cx="0" cy="0"/>
+        </a:xfrm>
+      </p:grpSpPr>
+      <p:sp>
+        <p:nvSpPr>
+          <p:cNvPr id="10" name="Rectangle 9"/>
+          <p:cNvSpPr/>
+          <p:nvPr userDrawn="1"/>
+        </p:nvSpPr>
+        <p:spPr>
+          <a:xfrm>
+            <a:off x="0" y="0"/>
+            <a:ext cx="14630401" cy="1010653"/>
+          </a:xfrm>
+          <a:prstGeom prst="rect">
+            <a:avLst/>
+          </a:prstGeom>
+          <a:solidFill>
+            <a:schemeClr val="tx1"/>
+          </a:solidFill>
+          <a:ln w="25400" cap="flat" cmpd="sng" algn="ctr">
+            <a:noFill/>
+            <a:prstDash val="solid"/>
+          </a:ln>
+          <a:effectLst/>
+        </p:spPr>
+        <p:txBody>
+          <a:bodyPr lIns="91429" tIns="45715" rIns="91429" bIns="45715" spcCol="0" rtlCol="0" anchor="ctr"/>
+          <a:lstStyle/>
+          <a:p>
+            <a:pPr marL="0" marR="0" lvl="0" indent="0" algn="ctr" defTabSz="914400" eaLnBrk="1" fontAlgn="auto" latinLnBrk="0" hangingPunct="1">
+              <a:lnSpc>
+                <a:spcPct val="100000"/>
+              </a:lnSpc>
+              <a:spcBef>
+                <a:spcPts val="0"/>
+              </a:spcBef>
+              <a:spcAft>
+                <a:spcPts val="0"/>
+              </a:spcAft>
+              <a:buClrTx/>
+              <a:buSzTx/>
+              <a:buFontTx/>
+              <a:buNone/>
+              <a:tabLst/>
+              <a:defRPr/>
+            </a:pPr>
+            <a:endParaRPr kumimoji="0" lang="en-US" sz="1800" b="0" i="0" u="none" strike="noStrike" kern="0" cap="none" spc="0" normalizeH="0" baseline="0" noProof="0">
+              <a:ln>
+                <a:noFill/>
+              </a:ln>
+              <a:solidFill>
+                <a:srgbClr val="FFFFFF"/>
+              </a:solidFill>
+              <a:effectLst/>
+              <a:uLnTx/>
+              <a:uFillTx/>
+            </a:endParaRPr>
+          </a:p>
+        </p:txBody>
+      </p:sp>
+      <p:pic>
+        <p:nvPicPr>
+          <p:cNvPr id="12" name="Picture 11"/>
+          <p:cNvPicPr>
+            <a:picLocks noChangeAspect="1"/>
+          </p:cNvPicPr>
+          <p:nvPr userDrawn="1"/>
+        </p:nvPicPr>
+        <p:blipFill rotWithShape="1">
+          <a:blip r:embed="rId2" cstate="screen">
+            <a:extLst>
+              <a:ext uri="{28A0092B-C50C-407E-A947-70E740481C1C}">
+                <a14:useLocalDpi xmlns:a14="http://schemas.microsoft.com/office/drawing/2010/main"/>
+              </a:ext>
+            </a:extLst>
+          </a:blip>
+          <a:srcRect/>
+          <a:stretch/>
+        </p:blipFill>
+        <p:spPr>
+          <a:xfrm>
+            <a:off x="10680570" y="1000316"/>
+            <a:ext cx="3949830" cy="7229284"/>
+          </a:xfrm>
+          <a:prstGeom prst="rect">
+            <a:avLst/>
+          </a:prstGeom>
+        </p:spPr>
+      </p:pic>
+      <p:sp>
+        <p:nvSpPr>
+          <p:cNvPr id="3" name="Text Placeholder 2"/>
+          <p:cNvSpPr>
+            <a:spLocks noGrp="1"/>
+          </p:cNvSpPr>
+          <p:nvPr>
+            <p:ph type="body" idx="1" hasCustomPrompt="1"/>
+          </p:nvPr>
+        </p:nvSpPr>
+        <p:spPr>
+          <a:xfrm>
+            <a:off x="4173538" y="4965000"/>
+            <a:ext cx="6189662" cy="440719"/>
+          </a:xfrm>
+        </p:spPr>
+        <p:txBody>
+          <a:bodyPr anchor="t" anchorCtr="0">
+            <a:noAutofit/>
+          </a:bodyPr>
+          <a:lstStyle>
+            <a:lvl1pPr marL="0" indent="0" algn="r">
+              <a:buNone/>
+              <a:defRPr sz="2800" b="1"/>
+            </a:lvl1pPr>
+            <a:lvl2pPr marL="457200" indent="0">
+              <a:buNone/>
+              <a:defRPr sz="2000" b="1"/>
+            </a:lvl2pPr>
+            <a:lvl3pPr marL="914400" indent="0">
+              <a:buNone/>
+              <a:defRPr sz="1800" b="1"/>
+            </a:lvl3pPr>
+            <a:lvl4pPr marL="1371600" indent="0">
+              <a:buNone/>
+              <a:defRPr sz="1600" b="1"/>
+            </a:lvl4pPr>
+            <a:lvl5pPr marL="1828800" indent="0">
+              <a:buNone/>
+              <a:defRPr sz="1600" b="1"/>
+            </a:lvl5pPr>
+            <a:lvl6pPr marL="2286000" indent="0">
+              <a:buNone/>
+              <a:defRPr sz="1600" b="1"/>
+            </a:lvl6pPr>
+            <a:lvl7pPr marL="2743200" indent="0">
+              <a:buNone/>
+              <a:defRPr sz="1600" b="1"/>
+            </a:lvl7pPr>
+            <a:lvl8pPr marL="3200400" indent="0">
+              <a:buNone/>
+              <a:defRPr sz="1600" b="1"/>
+            </a:lvl8pPr>
+            <a:lvl9pPr marL="3657600" indent="0">
+              <a:buNone/>
+              <a:defRPr sz="1600" b="1"/>
+            </a:lvl9pPr>
+          </a:lstStyle>
+          <a:p>
+            <a:pPr lvl="0"/>
+            <a:r>
+              <a:rPr lang="en-US" dirty="0" smtClean="0"/>
+              <a:t>Enter Date</a:t>
+            </a:r>
+          </a:p>
+        </p:txBody>
+      </p:sp>
+      <p:sp>
+        <p:nvSpPr>
+          <p:cNvPr id="5" name="Text Placeholder 4"/>
+          <p:cNvSpPr>
+            <a:spLocks noGrp="1"/>
+          </p:cNvSpPr>
+          <p:nvPr>
+            <p:ph type="body" sz="quarter" idx="3" hasCustomPrompt="1"/>
+          </p:nvPr>
+        </p:nvSpPr>
+        <p:spPr>
+          <a:xfrm>
+            <a:off x="4143375" y="5879399"/>
+            <a:ext cx="6219825" cy="440719"/>
+          </a:xfrm>
+        </p:spPr>
+        <p:txBody>
+          <a:bodyPr anchor="t" anchorCtr="0">
+            <a:noAutofit/>
+          </a:bodyPr>
+          <a:lstStyle>
+            <a:lvl1pPr marL="0" indent="0" algn="r">
+              <a:buNone/>
+              <a:defRPr sz="2800" b="1"/>
+            </a:lvl1pPr>
+            <a:lvl2pPr marL="457200" indent="0">
+              <a:buNone/>
+              <a:defRPr sz="2000" b="1"/>
+            </a:lvl2pPr>
+            <a:lvl3pPr marL="914400" indent="0">
+              <a:buNone/>
+              <a:defRPr sz="1800" b="1"/>
+            </a:lvl3pPr>
+            <a:lvl4pPr marL="1371600" indent="0">
+              <a:buNone/>
+              <a:defRPr sz="1600" b="1"/>
+            </a:lvl4pPr>
+            <a:lvl5pPr marL="1828800" indent="0">
+              <a:buNone/>
+              <a:defRPr sz="1600" b="1"/>
+            </a:lvl5pPr>
+            <a:lvl6pPr marL="2286000" indent="0">
+              <a:buNone/>
+              <a:defRPr sz="1600" b="1"/>
+            </a:lvl6pPr>
+            <a:lvl7pPr marL="2743200" indent="0">
+              <a:buNone/>
+              <a:defRPr sz="1600" b="1"/>
+            </a:lvl7pPr>
+            <a:lvl8pPr marL="3200400" indent="0">
+              <a:buNone/>
+              <a:defRPr sz="1600" b="1"/>
+            </a:lvl8pPr>
+            <a:lvl9pPr marL="3657600" indent="0">
+              <a:buNone/>
+              <a:defRPr sz="1600" b="1"/>
+            </a:lvl9pPr>
+          </a:lstStyle>
+          <a:p>
+            <a:pPr lvl="0"/>
+            <a:r>
+              <a:rPr lang="en-US" dirty="0" smtClean="0"/>
+              <a:t>Enter Presenter(s)</a:t>
+            </a:r>
+          </a:p>
+        </p:txBody>
+      </p:sp>
+      <p:sp>
+        <p:nvSpPr>
+          <p:cNvPr id="13" name="TextBox 12"/>
+          <p:cNvSpPr txBox="1"/>
+          <p:nvPr userDrawn="1"/>
+        </p:nvSpPr>
+        <p:spPr>
+          <a:xfrm>
+            <a:off x="460375" y="7755814"/>
+            <a:ext cx="1762510" cy="200055"/>
+          </a:xfrm>
+          <a:prstGeom prst="rect">
+            <a:avLst/>
+          </a:prstGeom>
+          <a:noFill/>
+        </p:spPr>
+        <p:txBody>
+          <a:bodyPr vert="horz" wrap="square" rtlCol="0">
+            <a:spAutoFit/>
+          </a:bodyPr>
+          <a:lstStyle>
+            <a:defPPr>
+              <a:defRPr lang="en-US"/>
+            </a:defPPr>
+            <a:lvl1pPr>
+              <a:defRPr sz="700">
+                <a:solidFill>
+                  <a:srgbClr val="AAD4FF"/>
+                </a:solidFill>
+                <a:latin typeface="Tahoma"/>
+              </a:defRPr>
+            </a:lvl1pPr>
+          </a:lstStyle>
+          <a:p>
+            <a:pPr lvl="0"/>
+            <a:fld id="{DE9FCC56-4E1C-4C04-868A-1C1059837326}" type="slidenum">
+              <a:rPr lang="en-US" smtClean="0">
+                <a:solidFill>
+                  <a:schemeClr val="tx2"/>
+                </a:solidFill>
+              </a:rPr>
+              <a:pPr/>
+              <a:t>‹#›</a:t>
+            </a:fld>
+            <a:endParaRPr lang="en-US" dirty="0">
+              <a:solidFill>
+                <a:schemeClr val="tx2"/>
+              </a:solidFill>
+            </a:endParaRPr>
+          </a:p>
+        </p:txBody>
+      </p:sp>
+      <p:sp>
+        <p:nvSpPr>
+          <p:cNvPr id="4" name="Title 3"/>
+          <p:cNvSpPr>
+            <a:spLocks noGrp="1"/>
+          </p:cNvSpPr>
+          <p:nvPr>
+            <p:ph type="title"/>
+          </p:nvPr>
+        </p:nvSpPr>
+        <p:spPr>
+          <a:xfrm>
+            <a:off x="460375" y="2756647"/>
+            <a:ext cx="9902826" cy="1479176"/>
+          </a:xfrm>
+        </p:spPr>
+        <p:txBody>
+          <a:bodyPr anchor="b" anchorCtr="0">
+            <a:noAutofit/>
+          </a:bodyPr>
+          <a:lstStyle>
+            <a:lvl1pPr algn="r">
+              <a:defRPr sz="4600"/>
+            </a:lvl1pPr>
+          </a:lstStyle>
+          <a:p>
+            <a:r>
+              <a:rPr lang="en-US" smtClean="0"/>
+              <a:t>Click to edit Master title style</a:t>
+            </a:r>
+            <a:endParaRPr lang="en-US" dirty="0"/>
+          </a:p>
+        </p:txBody>
+      </p:sp>
+      <p:pic>
+        <p:nvPicPr>
+          <p:cNvPr id="14" name="Picture 13"/>
+          <p:cNvPicPr>
+            <a:picLocks noChangeAspect="1"/>
+          </p:cNvPicPr>
+          <p:nvPr userDrawn="1"/>
+        </p:nvPicPr>
+        <p:blipFill>
+          <a:blip r:embed="rId3">
+            <a:extLst>
+              <a:ext uri="{28A0092B-C50C-407E-A947-70E740481C1C}">
+                <a14:useLocalDpi xmlns:a14="http://schemas.microsoft.com/office/drawing/2010/main" val="0"/>
+              </a:ext>
+            </a:extLst>
+          </a:blip>
+          <a:stretch>
+            <a:fillRect/>
+          </a:stretch>
+        </p:blipFill>
+        <p:spPr>
+          <a:xfrm>
+            <a:off x="12073255" y="178700"/>
+            <a:ext cx="2103120" cy="648860"/>
+          </a:xfrm>
+          <a:prstGeom prst="rect">
+            <a:avLst/>
+          </a:prstGeom>
+        </p:spPr>
+      </p:pic>
+    </p:spTree>
+    <p:extLst>
+      <p:ext uri="{BB962C8B-B14F-4D97-AF65-F5344CB8AC3E}">
+        <p14:creationId xmlns:p14="http://schemas.microsoft.com/office/powerpoint/2010/main" val="895445031"/>
+      </p:ext>
+    </p:extLst>
+  </p:cSld>
+  <p:clrMapOvr>
+    <a:masterClrMapping/>
+  </p:clrMapOvr>
+</p:sldLayout>
+</file>
+
+<file path=ppt/slideLayouts/slideLayout23.xml><?xml version="1.0" encoding="utf-8"?>
+<p:sldLayout xmlns:a="http://schemas.openxmlformats.org/drawingml/2006/main" xmlns:r="http://schemas.openxmlformats.org/officeDocument/2006/relationships" xmlns:p="http://schemas.openxmlformats.org/presentationml/2006/main" userDrawn="1">
+  <p:cSld name="Outline Slide">
+    <p:spTree>
+      <p:nvGrpSpPr>
+        <p:cNvPr id="1" name=""/>
+        <p:cNvGrpSpPr/>
+        <p:nvPr/>
+      </p:nvGrpSpPr>
+      <p:grpSpPr>
+        <a:xfrm>
+          <a:off x="0" y="0"/>
+          <a:ext cx="0" cy="0"/>
+          <a:chOff x="0" y="0"/>
+          <a:chExt cx="0" cy="0"/>
+        </a:xfrm>
+      </p:grpSpPr>
+      <p:pic>
+        <p:nvPicPr>
+          <p:cNvPr id="35" name="Picture 34"/>
+          <p:cNvPicPr>
+            <a:picLocks noChangeAspect="1"/>
+          </p:cNvPicPr>
+          <p:nvPr userDrawn="1"/>
+        </p:nvPicPr>
+        <p:blipFill>
+          <a:blip r:embed="rId2">
+            <a:extLst>
+              <a:ext uri="{28A0092B-C50C-407E-A947-70E740481C1C}">
+                <a14:useLocalDpi xmlns:a14="http://schemas.microsoft.com/office/drawing/2010/main" val="0"/>
+              </a:ext>
+            </a:extLst>
+          </a:blip>
+          <a:stretch>
+            <a:fillRect/>
+          </a:stretch>
+        </p:blipFill>
+        <p:spPr>
+          <a:xfrm>
+            <a:off x="12124113" y="3753124"/>
+            <a:ext cx="2506287" cy="1492135"/>
+          </a:xfrm>
+          <a:prstGeom prst="rect">
+            <a:avLst/>
+          </a:prstGeom>
+        </p:spPr>
+      </p:pic>
+      <p:pic>
+        <p:nvPicPr>
+          <p:cNvPr id="36" name="Picture 35"/>
+          <p:cNvPicPr>
+            <a:picLocks noChangeAspect="1"/>
+          </p:cNvPicPr>
+          <p:nvPr userDrawn="1"/>
+        </p:nvPicPr>
+        <p:blipFill>
+          <a:blip r:embed="rId3">
+            <a:extLst>
+              <a:ext uri="{28A0092B-C50C-407E-A947-70E740481C1C}">
+                <a14:useLocalDpi xmlns:a14="http://schemas.microsoft.com/office/drawing/2010/main" val="0"/>
+              </a:ext>
+            </a:extLst>
+          </a:blip>
+          <a:stretch>
+            <a:fillRect/>
+          </a:stretch>
+        </p:blipFill>
+        <p:spPr>
+          <a:xfrm>
+            <a:off x="12124113" y="768854"/>
+            <a:ext cx="2506287" cy="1492135"/>
+          </a:xfrm>
+          <a:prstGeom prst="rect">
+            <a:avLst/>
+          </a:prstGeom>
+        </p:spPr>
+      </p:pic>
+      <p:pic>
+        <p:nvPicPr>
+          <p:cNvPr id="37" name="Picture 36"/>
+          <p:cNvPicPr>
+            <a:picLocks noChangeAspect="1"/>
+          </p:cNvPicPr>
+          <p:nvPr userDrawn="1"/>
+        </p:nvPicPr>
+        <p:blipFill>
+          <a:blip r:embed="rId4">
+            <a:extLst>
+              <a:ext uri="{28A0092B-C50C-407E-A947-70E740481C1C}">
+                <a14:useLocalDpi xmlns:a14="http://schemas.microsoft.com/office/drawing/2010/main" val="0"/>
+              </a:ext>
+            </a:extLst>
+          </a:blip>
+          <a:stretch>
+            <a:fillRect/>
+          </a:stretch>
+        </p:blipFill>
+        <p:spPr>
+          <a:xfrm>
+            <a:off x="12124113" y="2260989"/>
+            <a:ext cx="2506287" cy="1492135"/>
+          </a:xfrm>
+          <a:prstGeom prst="rect">
+            <a:avLst/>
+          </a:prstGeom>
+        </p:spPr>
+      </p:pic>
+      <p:pic>
+        <p:nvPicPr>
+          <p:cNvPr id="38" name="Picture 37"/>
+          <p:cNvPicPr>
+            <a:picLocks noChangeAspect="1"/>
+          </p:cNvPicPr>
+          <p:nvPr userDrawn="1"/>
+        </p:nvPicPr>
+        <p:blipFill>
+          <a:blip r:embed="rId5">
+            <a:extLst>
+              <a:ext uri="{28A0092B-C50C-407E-A947-70E740481C1C}">
+                <a14:useLocalDpi xmlns:a14="http://schemas.microsoft.com/office/drawing/2010/main" val="0"/>
+              </a:ext>
+            </a:extLst>
+          </a:blip>
+          <a:stretch>
+            <a:fillRect/>
+          </a:stretch>
+        </p:blipFill>
+        <p:spPr>
+          <a:xfrm>
+            <a:off x="12123992" y="5245259"/>
+            <a:ext cx="2506408" cy="1492206"/>
+          </a:xfrm>
+          <a:prstGeom prst="rect">
+            <a:avLst/>
+          </a:prstGeom>
+        </p:spPr>
+      </p:pic>
+      <p:pic>
+        <p:nvPicPr>
+          <p:cNvPr id="39" name="Picture 38"/>
+          <p:cNvPicPr>
+            <a:picLocks noChangeAspect="1"/>
+          </p:cNvPicPr>
+          <p:nvPr userDrawn="1"/>
+        </p:nvPicPr>
+        <p:blipFill>
+          <a:blip r:embed="rId6">
+            <a:extLst>
+              <a:ext uri="{28A0092B-C50C-407E-A947-70E740481C1C}">
+                <a14:useLocalDpi xmlns:a14="http://schemas.microsoft.com/office/drawing/2010/main" val="0"/>
+              </a:ext>
+            </a:extLst>
+          </a:blip>
+          <a:stretch>
+            <a:fillRect/>
+          </a:stretch>
+        </p:blipFill>
+        <p:spPr>
+          <a:xfrm>
+            <a:off x="12124113" y="6737465"/>
+            <a:ext cx="2506287" cy="1492135"/>
+          </a:xfrm>
+          <a:prstGeom prst="rect">
+            <a:avLst/>
+          </a:prstGeom>
+        </p:spPr>
+      </p:pic>
+      <p:sp>
+        <p:nvSpPr>
+          <p:cNvPr id="3" name="Content Placeholder 2"/>
+          <p:cNvSpPr>
+            <a:spLocks noGrp="1"/>
+          </p:cNvSpPr>
+          <p:nvPr>
+            <p:ph sz="quarter" idx="10"/>
+          </p:nvPr>
+        </p:nvSpPr>
+        <p:spPr>
+          <a:xfrm>
+            <a:off x="914400" y="2019300"/>
+            <a:ext cx="10792918" cy="5715000"/>
+          </a:xfrm>
+        </p:spPr>
+        <p:txBody>
+          <a:bodyPr vert="horz" lIns="91440" tIns="45720" rIns="91440" bIns="45720" rtlCol="0">
+            <a:noAutofit/>
+          </a:bodyPr>
+          <a:lstStyle>
+            <a:lvl1pPr>
+              <a:defRPr lang="en-US" dirty="0" smtClean="0"/>
+            </a:lvl1pPr>
+            <a:lvl2pPr>
+              <a:defRPr lang="en-US" dirty="0" smtClean="0"/>
+            </a:lvl2pPr>
+            <a:lvl3pPr>
+              <a:defRPr lang="en-US" dirty="0" smtClean="0"/>
+            </a:lvl3pPr>
+            <a:lvl4pPr>
+              <a:defRPr lang="en-US" dirty="0" smtClean="0"/>
+            </a:lvl4pPr>
+            <a:lvl5pPr>
+              <a:defRPr lang="en-US" dirty="0"/>
+            </a:lvl5pPr>
+          </a:lstStyle>
+          <a:p>
+            <a:pPr lvl="0"/>
+            <a:r>
+              <a:rPr lang="en-US" smtClean="0"/>
+              <a:t>Edit Master text styles</a:t>
+            </a:r>
+          </a:p>
+          <a:p>
+            <a:pPr lvl="1"/>
+            <a:r>
+              <a:rPr lang="en-US" smtClean="0"/>
+              <a:t>Second level</a:t>
+            </a:r>
+          </a:p>
+          <a:p>
+            <a:pPr lvl="2"/>
+            <a:r>
+              <a:rPr lang="en-US" smtClean="0"/>
+              <a:t>Third level</a:t>
+            </a:r>
+          </a:p>
+          <a:p>
+            <a:pPr lvl="3"/>
+            <a:r>
+              <a:rPr lang="en-US" smtClean="0"/>
+              <a:t>Fourth level</a:t>
+            </a:r>
+          </a:p>
+          <a:p>
+            <a:pPr lvl="4"/>
+            <a:r>
+              <a:rPr lang="en-US" smtClean="0"/>
+              <a:t>Fifth level</a:t>
+            </a:r>
+            <a:endParaRPr lang="en-US" dirty="0"/>
+          </a:p>
+        </p:txBody>
+      </p:sp>
+      <p:sp>
+        <p:nvSpPr>
+          <p:cNvPr id="4" name="Title 3"/>
+          <p:cNvSpPr>
+            <a:spLocks noGrp="1"/>
+          </p:cNvSpPr>
+          <p:nvPr>
+            <p:ph type="title"/>
+          </p:nvPr>
+        </p:nvSpPr>
+        <p:spPr>
+          <a:xfrm>
+            <a:off x="914400" y="914400"/>
+            <a:ext cx="10792918" cy="938846"/>
+          </a:xfrm>
+        </p:spPr>
+        <p:txBody>
+          <a:bodyPr>
+            <a:noAutofit/>
+          </a:bodyPr>
+          <a:lstStyle/>
+          <a:p>
+            <a:r>
+              <a:rPr lang="en-US" smtClean="0"/>
+              <a:t>Click to edit Master title style</a:t>
+            </a:r>
+            <a:endParaRPr lang="en-US"/>
+          </a:p>
+        </p:txBody>
+      </p:sp>
+    </p:spTree>
+    <p:extLst>
+      <p:ext uri="{BB962C8B-B14F-4D97-AF65-F5344CB8AC3E}">
+        <p14:creationId xmlns:p14="http://schemas.microsoft.com/office/powerpoint/2010/main" val="179237841"/>
+      </p:ext>
+    </p:extLst>
+  </p:cSld>
+  <p:clrMapOvr>
+    <a:masterClrMapping/>
+  </p:clrMapOvr>
+  <p:timing>
+    <p:tnLst>
+      <p:par>
+        <p:cTn id="1" dur="indefinite" restart="never" nodeType="tmRoot"/>
+      </p:par>
+    </p:tnLst>
+  </p:timing>
 </p:sldLayout>
 </file>
 
@@ -3147,6 +6054,697 @@
 </p:sldMaster>
 </file>
 
+<file path=ppt/slideMasters/slideMaster2.xml><?xml version="1.0" encoding="utf-8"?>
+<p:sldMaster xmlns:a="http://schemas.openxmlformats.org/drawingml/2006/main" xmlns:r="http://schemas.openxmlformats.org/officeDocument/2006/relationships" xmlns:p="http://schemas.openxmlformats.org/presentationml/2006/main">
+  <p:cSld>
+    <p:bg>
+      <p:bgRef idx="1001">
+        <a:schemeClr val="bg1"/>
+      </p:bgRef>
+    </p:bg>
+    <p:spTree>
+      <p:nvGrpSpPr>
+        <p:cNvPr id="1" name=""/>
+        <p:cNvGrpSpPr/>
+        <p:nvPr/>
+      </p:nvGrpSpPr>
+      <p:grpSpPr>
+        <a:xfrm>
+          <a:off x="0" y="0"/>
+          <a:ext cx="0" cy="0"/>
+          <a:chOff x="0" y="0"/>
+          <a:chExt cx="0" cy="0"/>
+        </a:xfrm>
+      </p:grpSpPr>
+      <p:sp>
+        <p:nvSpPr>
+          <p:cNvPr id="2" name="Title Placeholder 1"/>
+          <p:cNvSpPr>
+            <a:spLocks noGrp="1"/>
+          </p:cNvSpPr>
+          <p:nvPr>
+            <p:ph type="title"/>
+          </p:nvPr>
+        </p:nvSpPr>
+        <p:spPr>
+          <a:xfrm>
+            <a:off x="1005840" y="438150"/>
+            <a:ext cx="12618720" cy="1590676"/>
+          </a:xfrm>
+          <a:prstGeom prst="rect">
+            <a:avLst/>
+          </a:prstGeom>
+        </p:spPr>
+        <p:txBody>
+          <a:bodyPr vert="horz" lIns="91440" tIns="45720" rIns="91440" bIns="45720" rtlCol="0" anchor="ctr">
+            <a:normAutofit/>
+          </a:bodyPr>
+          <a:lstStyle/>
+          <a:p>
+            <a:r>
+              <a:rPr lang="en-US" smtClean="0"/>
+              <a:t>Click to edit Master title style</a:t>
+            </a:r>
+            <a:endParaRPr lang="en-US"/>
+          </a:p>
+        </p:txBody>
+      </p:sp>
+      <p:sp>
+        <p:nvSpPr>
+          <p:cNvPr id="3" name="Text Placeholder 2"/>
+          <p:cNvSpPr>
+            <a:spLocks noGrp="1"/>
+          </p:cNvSpPr>
+          <p:nvPr>
+            <p:ph type="body" idx="1"/>
+          </p:nvPr>
+        </p:nvSpPr>
+        <p:spPr>
+          <a:xfrm>
+            <a:off x="1005840" y="2190750"/>
+            <a:ext cx="12618720" cy="5221606"/>
+          </a:xfrm>
+          <a:prstGeom prst="rect">
+            <a:avLst/>
+          </a:prstGeom>
+        </p:spPr>
+        <p:txBody>
+          <a:bodyPr vert="horz" lIns="91440" tIns="45720" rIns="91440" bIns="45720" rtlCol="0">
+            <a:normAutofit/>
+          </a:bodyPr>
+          <a:lstStyle/>
+          <a:p>
+            <a:pPr lvl="0"/>
+            <a:r>
+              <a:rPr lang="en-US" smtClean="0"/>
+              <a:t>Click to edit Master text styles</a:t>
+            </a:r>
+          </a:p>
+          <a:p>
+            <a:pPr lvl="1"/>
+            <a:r>
+              <a:rPr lang="en-US" smtClean="0"/>
+              <a:t>Second level</a:t>
+            </a:r>
+          </a:p>
+          <a:p>
+            <a:pPr lvl="2"/>
+            <a:r>
+              <a:rPr lang="en-US" smtClean="0"/>
+              <a:t>Third level</a:t>
+            </a:r>
+          </a:p>
+          <a:p>
+            <a:pPr lvl="3"/>
+            <a:r>
+              <a:rPr lang="en-US" smtClean="0"/>
+              <a:t>Fourth level</a:t>
+            </a:r>
+          </a:p>
+          <a:p>
+            <a:pPr lvl="4"/>
+            <a:r>
+              <a:rPr lang="en-US" smtClean="0"/>
+              <a:t>Fifth level</a:t>
+            </a:r>
+            <a:endParaRPr lang="en-US"/>
+          </a:p>
+        </p:txBody>
+      </p:sp>
+      <p:sp>
+        <p:nvSpPr>
+          <p:cNvPr id="4" name="Date Placeholder 3"/>
+          <p:cNvSpPr>
+            <a:spLocks noGrp="1"/>
+          </p:cNvSpPr>
+          <p:nvPr>
+            <p:ph type="dt" sz="half" idx="2"/>
+          </p:nvPr>
+        </p:nvSpPr>
+        <p:spPr>
+          <a:xfrm>
+            <a:off x="1005840" y="7627621"/>
+            <a:ext cx="3291840" cy="438150"/>
+          </a:xfrm>
+          <a:prstGeom prst="rect">
+            <a:avLst/>
+          </a:prstGeom>
+        </p:spPr>
+        <p:txBody>
+          <a:bodyPr vert="horz" lIns="91440" tIns="45720" rIns="91440" bIns="45720" rtlCol="0" anchor="ctr"/>
+          <a:lstStyle>
+            <a:lvl1pPr algn="l">
+              <a:defRPr sz="1440">
+                <a:solidFill>
+                  <a:schemeClr val="tx1">
+                    <a:tint val="75000"/>
+                  </a:schemeClr>
+                </a:solidFill>
+              </a:defRPr>
+            </a:lvl1pPr>
+          </a:lstStyle>
+          <a:p>
+            <a:fld id="{7945E9E4-EAFC-ED42-B4C7-D719C349FAB2}" type="datetimeFigureOut">
+              <a:rPr lang="en-US" smtClean="0"/>
+              <a:t>7/17/17</a:t>
+            </a:fld>
+            <a:endParaRPr lang="en-US"/>
+          </a:p>
+        </p:txBody>
+      </p:sp>
+      <p:sp>
+        <p:nvSpPr>
+          <p:cNvPr id="5" name="Footer Placeholder 4"/>
+          <p:cNvSpPr>
+            <a:spLocks noGrp="1"/>
+          </p:cNvSpPr>
+          <p:nvPr>
+            <p:ph type="ftr" sz="quarter" idx="3"/>
+          </p:nvPr>
+        </p:nvSpPr>
+        <p:spPr>
+          <a:xfrm>
+            <a:off x="4846320" y="7627621"/>
+            <a:ext cx="4937760" cy="438150"/>
+          </a:xfrm>
+          <a:prstGeom prst="rect">
+            <a:avLst/>
+          </a:prstGeom>
+        </p:spPr>
+        <p:txBody>
+          <a:bodyPr vert="horz" lIns="91440" tIns="45720" rIns="91440" bIns="45720" rtlCol="0" anchor="ctr"/>
+          <a:lstStyle>
+            <a:lvl1pPr algn="ctr">
+              <a:defRPr sz="1440">
+                <a:solidFill>
+                  <a:schemeClr val="tx1">
+                    <a:tint val="75000"/>
+                  </a:schemeClr>
+                </a:solidFill>
+              </a:defRPr>
+            </a:lvl1pPr>
+          </a:lstStyle>
+          <a:p>
+            <a:endParaRPr lang="en-US"/>
+          </a:p>
+        </p:txBody>
+      </p:sp>
+      <p:sp>
+        <p:nvSpPr>
+          <p:cNvPr id="6" name="Slide Number Placeholder 5"/>
+          <p:cNvSpPr>
+            <a:spLocks noGrp="1"/>
+          </p:cNvSpPr>
+          <p:nvPr>
+            <p:ph type="sldNum" sz="quarter" idx="4"/>
+          </p:nvPr>
+        </p:nvSpPr>
+        <p:spPr>
+          <a:xfrm>
+            <a:off x="10332720" y="7627621"/>
+            <a:ext cx="3291840" cy="438150"/>
+          </a:xfrm>
+          <a:prstGeom prst="rect">
+            <a:avLst/>
+          </a:prstGeom>
+        </p:spPr>
+        <p:txBody>
+          <a:bodyPr vert="horz" lIns="91440" tIns="45720" rIns="91440" bIns="45720" rtlCol="0" anchor="ctr"/>
+          <a:lstStyle>
+            <a:lvl1pPr algn="r">
+              <a:defRPr sz="1440">
+                <a:solidFill>
+                  <a:schemeClr val="tx1">
+                    <a:tint val="75000"/>
+                  </a:schemeClr>
+                </a:solidFill>
+              </a:defRPr>
+            </a:lvl1pPr>
+          </a:lstStyle>
+          <a:p>
+            <a:fld id="{4FCBA960-54CD-9549-9D36-6F92FCCFF0F5}" type="slidenum">
+              <a:rPr lang="en-US" smtClean="0"/>
+              <a:t>‹#›</a:t>
+            </a:fld>
+            <a:endParaRPr lang="en-US"/>
+          </a:p>
+        </p:txBody>
+      </p:sp>
+      <p:sp>
+        <p:nvSpPr>
+          <p:cNvPr id="7" name="Rectangle 6"/>
+          <p:cNvSpPr/>
+          <p:nvPr userDrawn="1"/>
+        </p:nvSpPr>
+        <p:spPr>
+          <a:xfrm>
+            <a:off x="0" y="0"/>
+            <a:ext cx="14630401" cy="779463"/>
+          </a:xfrm>
+          <a:prstGeom prst="rect">
+            <a:avLst/>
+          </a:prstGeom>
+          <a:solidFill>
+            <a:schemeClr val="tx1"/>
+          </a:solidFill>
+          <a:ln w="25400" cap="flat" cmpd="sng" algn="ctr">
+            <a:noFill/>
+            <a:prstDash val="solid"/>
+          </a:ln>
+          <a:effectLst/>
+        </p:spPr>
+        <p:txBody>
+          <a:bodyPr lIns="91429" tIns="45715" rIns="91429" bIns="45715" spcCol="0" rtlCol="0" anchor="ctr"/>
+          <a:lstStyle/>
+          <a:p>
+            <a:pPr marL="0" marR="0" lvl="0" indent="0" algn="ctr" defTabSz="914400" eaLnBrk="1" fontAlgn="auto" latinLnBrk="0" hangingPunct="1">
+              <a:lnSpc>
+                <a:spcPct val="100000"/>
+              </a:lnSpc>
+              <a:spcBef>
+                <a:spcPts val="0"/>
+              </a:spcBef>
+              <a:spcAft>
+                <a:spcPts val="0"/>
+              </a:spcAft>
+              <a:buClrTx/>
+              <a:buSzTx/>
+              <a:buFontTx/>
+              <a:buNone/>
+              <a:tabLst/>
+              <a:defRPr/>
+            </a:pPr>
+            <a:endParaRPr kumimoji="0" lang="en-US" sz="1800" b="0" i="0" u="none" strike="noStrike" kern="0" cap="none" spc="0" normalizeH="0" baseline="0" noProof="0">
+              <a:ln>
+                <a:noFill/>
+              </a:ln>
+              <a:solidFill>
+                <a:srgbClr val="FFFFFF"/>
+              </a:solidFill>
+              <a:effectLst/>
+              <a:uLnTx/>
+              <a:uFillTx/>
+            </a:endParaRPr>
+          </a:p>
+        </p:txBody>
+      </p:sp>
+      <p:pic>
+        <p:nvPicPr>
+          <p:cNvPr id="8" name="Picture 7"/>
+          <p:cNvPicPr>
+            <a:picLocks noChangeAspect="1"/>
+          </p:cNvPicPr>
+          <p:nvPr userDrawn="1"/>
+        </p:nvPicPr>
+        <p:blipFill>
+          <a:blip r:embed="rId15">
+            <a:extLst>
+              <a:ext uri="{28A0092B-C50C-407E-A947-70E740481C1C}">
+                <a14:useLocalDpi xmlns:a14="http://schemas.microsoft.com/office/drawing/2010/main" val="0"/>
+              </a:ext>
+            </a:extLst>
+          </a:blip>
+          <a:stretch>
+            <a:fillRect/>
+          </a:stretch>
+        </p:blipFill>
+        <p:spPr>
+          <a:xfrm>
+            <a:off x="12073255" y="178700"/>
+            <a:ext cx="2103120" cy="444523"/>
+          </a:xfrm>
+          <a:prstGeom prst="rect">
+            <a:avLst/>
+          </a:prstGeom>
+        </p:spPr>
+      </p:pic>
+    </p:spTree>
+    <p:extLst>
+      <p:ext uri="{BB962C8B-B14F-4D97-AF65-F5344CB8AC3E}">
+        <p14:creationId xmlns:p14="http://schemas.microsoft.com/office/powerpoint/2010/main" val="1113851990"/>
+      </p:ext>
+    </p:extLst>
+  </p:cSld>
+  <p:clrMap bg1="lt1" tx1="dk1" bg2="lt2" tx2="dk2" accent1="accent1" accent2="accent2" accent3="accent3" accent4="accent4" accent5="accent5" accent6="accent6" hlink="hlink" folHlink="folHlink"/>
+  <p:sldLayoutIdLst>
+    <p:sldLayoutId id="2147483764" r:id="rId1"/>
+    <p:sldLayoutId id="2147483765" r:id="rId2"/>
+    <p:sldLayoutId id="2147483766" r:id="rId3"/>
+    <p:sldLayoutId id="2147483767" r:id="rId4"/>
+    <p:sldLayoutId id="2147483768" r:id="rId5"/>
+    <p:sldLayoutId id="2147483769" r:id="rId6"/>
+    <p:sldLayoutId id="2147483770" r:id="rId7"/>
+    <p:sldLayoutId id="2147483771" r:id="rId8"/>
+    <p:sldLayoutId id="2147483772" r:id="rId9"/>
+    <p:sldLayoutId id="2147483773" r:id="rId10"/>
+    <p:sldLayoutId id="2147483774" r:id="rId11"/>
+    <p:sldLayoutId id="2147483775" r:id="rId12"/>
+    <p:sldLayoutId id="2147483776" r:id="rId13"/>
+  </p:sldLayoutIdLst>
+  <p:txStyles>
+    <p:titleStyle>
+      <a:lvl1pPr algn="l" defTabSz="1097280" rtl="0" eaLnBrk="1" latinLnBrk="0" hangingPunct="1">
+        <a:lnSpc>
+          <a:spcPct val="90000"/>
+        </a:lnSpc>
+        <a:spcBef>
+          <a:spcPct val="0"/>
+        </a:spcBef>
+        <a:buNone/>
+        <a:defRPr sz="5280" kern="1200">
+          <a:solidFill>
+            <a:schemeClr val="tx1"/>
+          </a:solidFill>
+          <a:latin typeface="+mj-lt"/>
+          <a:ea typeface="+mj-ea"/>
+          <a:cs typeface="+mj-cs"/>
+        </a:defRPr>
+      </a:lvl1pPr>
+    </p:titleStyle>
+    <p:bodyStyle>
+      <a:lvl1pPr marL="274320" indent="-274320" algn="l" defTabSz="1097280" rtl="0" eaLnBrk="1" latinLnBrk="0" hangingPunct="1">
+        <a:lnSpc>
+          <a:spcPct val="90000"/>
+        </a:lnSpc>
+        <a:spcBef>
+          <a:spcPts val="1200"/>
+        </a:spcBef>
+        <a:buFont typeface="Arial"/>
+        <a:buChar char="•"/>
+        <a:defRPr sz="3360" kern="1200">
+          <a:solidFill>
+            <a:schemeClr val="tx1"/>
+          </a:solidFill>
+          <a:latin typeface="+mn-lt"/>
+          <a:ea typeface="+mn-ea"/>
+          <a:cs typeface="+mn-cs"/>
+        </a:defRPr>
+      </a:lvl1pPr>
+      <a:lvl2pPr marL="822960" indent="-274320" algn="l" defTabSz="1097280" rtl="0" eaLnBrk="1" latinLnBrk="0" hangingPunct="1">
+        <a:lnSpc>
+          <a:spcPct val="90000"/>
+        </a:lnSpc>
+        <a:spcBef>
+          <a:spcPts val="600"/>
+        </a:spcBef>
+        <a:buFont typeface="Arial"/>
+        <a:buChar char="•"/>
+        <a:defRPr sz="2880" kern="1200">
+          <a:solidFill>
+            <a:schemeClr val="tx1"/>
+          </a:solidFill>
+          <a:latin typeface="+mn-lt"/>
+          <a:ea typeface="+mn-ea"/>
+          <a:cs typeface="+mn-cs"/>
+        </a:defRPr>
+      </a:lvl2pPr>
+      <a:lvl3pPr marL="1371600" indent="-274320" algn="l" defTabSz="1097280" rtl="0" eaLnBrk="1" latinLnBrk="0" hangingPunct="1">
+        <a:lnSpc>
+          <a:spcPct val="90000"/>
+        </a:lnSpc>
+        <a:spcBef>
+          <a:spcPts val="600"/>
+        </a:spcBef>
+        <a:buFont typeface="Arial"/>
+        <a:buChar char="•"/>
+        <a:defRPr sz="2400" kern="1200">
+          <a:solidFill>
+            <a:schemeClr val="tx1"/>
+          </a:solidFill>
+          <a:latin typeface="+mn-lt"/>
+          <a:ea typeface="+mn-ea"/>
+          <a:cs typeface="+mn-cs"/>
+        </a:defRPr>
+      </a:lvl3pPr>
+      <a:lvl4pPr marL="1920240" indent="-274320" algn="l" defTabSz="1097280" rtl="0" eaLnBrk="1" latinLnBrk="0" hangingPunct="1">
+        <a:lnSpc>
+          <a:spcPct val="90000"/>
+        </a:lnSpc>
+        <a:spcBef>
+          <a:spcPts val="600"/>
+        </a:spcBef>
+        <a:buFont typeface="Arial"/>
+        <a:buChar char="•"/>
+        <a:defRPr sz="2160" kern="1200">
+          <a:solidFill>
+            <a:schemeClr val="tx1"/>
+          </a:solidFill>
+          <a:latin typeface="+mn-lt"/>
+          <a:ea typeface="+mn-ea"/>
+          <a:cs typeface="+mn-cs"/>
+        </a:defRPr>
+      </a:lvl4pPr>
+      <a:lvl5pPr marL="2468880" indent="-274320" algn="l" defTabSz="1097280" rtl="0" eaLnBrk="1" latinLnBrk="0" hangingPunct="1">
+        <a:lnSpc>
+          <a:spcPct val="90000"/>
+        </a:lnSpc>
+        <a:spcBef>
+          <a:spcPts val="600"/>
+        </a:spcBef>
+        <a:buFont typeface="Arial"/>
+        <a:buChar char="•"/>
+        <a:defRPr sz="2160" kern="1200">
+          <a:solidFill>
+            <a:schemeClr val="tx1"/>
+          </a:solidFill>
+          <a:latin typeface="+mn-lt"/>
+          <a:ea typeface="+mn-ea"/>
+          <a:cs typeface="+mn-cs"/>
+        </a:defRPr>
+      </a:lvl5pPr>
+      <a:lvl6pPr marL="3017520" indent="-274320" algn="l" defTabSz="1097280" rtl="0" eaLnBrk="1" latinLnBrk="0" hangingPunct="1">
+        <a:lnSpc>
+          <a:spcPct val="90000"/>
+        </a:lnSpc>
+        <a:spcBef>
+          <a:spcPts val="600"/>
+        </a:spcBef>
+        <a:buFont typeface="Arial"/>
+        <a:buChar char="•"/>
+        <a:defRPr sz="2160" kern="1200">
+          <a:solidFill>
+            <a:schemeClr val="tx1"/>
+          </a:solidFill>
+          <a:latin typeface="+mn-lt"/>
+          <a:ea typeface="+mn-ea"/>
+          <a:cs typeface="+mn-cs"/>
+        </a:defRPr>
+      </a:lvl6pPr>
+      <a:lvl7pPr marL="3566160" indent="-274320" algn="l" defTabSz="1097280" rtl="0" eaLnBrk="1" latinLnBrk="0" hangingPunct="1">
+        <a:lnSpc>
+          <a:spcPct val="90000"/>
+        </a:lnSpc>
+        <a:spcBef>
+          <a:spcPts val="600"/>
+        </a:spcBef>
+        <a:buFont typeface="Arial"/>
+        <a:buChar char="•"/>
+        <a:defRPr sz="2160" kern="1200">
+          <a:solidFill>
+            <a:schemeClr val="tx1"/>
+          </a:solidFill>
+          <a:latin typeface="+mn-lt"/>
+          <a:ea typeface="+mn-ea"/>
+          <a:cs typeface="+mn-cs"/>
+        </a:defRPr>
+      </a:lvl7pPr>
+      <a:lvl8pPr marL="4114800" indent="-274320" algn="l" defTabSz="1097280" rtl="0" eaLnBrk="1" latinLnBrk="0" hangingPunct="1">
+        <a:lnSpc>
+          <a:spcPct val="90000"/>
+        </a:lnSpc>
+        <a:spcBef>
+          <a:spcPts val="600"/>
+        </a:spcBef>
+        <a:buFont typeface="Arial"/>
+        <a:buChar char="•"/>
+        <a:defRPr sz="2160" kern="1200">
+          <a:solidFill>
+            <a:schemeClr val="tx1"/>
+          </a:solidFill>
+          <a:latin typeface="+mn-lt"/>
+          <a:ea typeface="+mn-ea"/>
+          <a:cs typeface="+mn-cs"/>
+        </a:defRPr>
+      </a:lvl8pPr>
+      <a:lvl9pPr marL="4663440" indent="-274320" algn="l" defTabSz="1097280" rtl="0" eaLnBrk="1" latinLnBrk="0" hangingPunct="1">
+        <a:lnSpc>
+          <a:spcPct val="90000"/>
+        </a:lnSpc>
+        <a:spcBef>
+          <a:spcPts val="600"/>
+        </a:spcBef>
+        <a:buFont typeface="Arial"/>
+        <a:buChar char="•"/>
+        <a:defRPr sz="2160" kern="1200">
+          <a:solidFill>
+            <a:schemeClr val="tx1"/>
+          </a:solidFill>
+          <a:latin typeface="+mn-lt"/>
+          <a:ea typeface="+mn-ea"/>
+          <a:cs typeface="+mn-cs"/>
+        </a:defRPr>
+      </a:lvl9pPr>
+    </p:bodyStyle>
+    <p:otherStyle>
+      <a:defPPr>
+        <a:defRPr lang="en-US"/>
+      </a:defPPr>
+      <a:lvl1pPr marL="0" algn="l" defTabSz="1097280" rtl="0" eaLnBrk="1" latinLnBrk="0" hangingPunct="1">
+        <a:defRPr sz="2160" kern="1200">
+          <a:solidFill>
+            <a:schemeClr val="tx1"/>
+          </a:solidFill>
+          <a:latin typeface="+mn-lt"/>
+          <a:ea typeface="+mn-ea"/>
+          <a:cs typeface="+mn-cs"/>
+        </a:defRPr>
+      </a:lvl1pPr>
+      <a:lvl2pPr marL="548640" algn="l" defTabSz="1097280" rtl="0" eaLnBrk="1" latinLnBrk="0" hangingPunct="1">
+        <a:defRPr sz="2160" kern="1200">
+          <a:solidFill>
+            <a:schemeClr val="tx1"/>
+          </a:solidFill>
+          <a:latin typeface="+mn-lt"/>
+          <a:ea typeface="+mn-ea"/>
+          <a:cs typeface="+mn-cs"/>
+        </a:defRPr>
+      </a:lvl2pPr>
+      <a:lvl3pPr marL="1097280" algn="l" defTabSz="1097280" rtl="0" eaLnBrk="1" latinLnBrk="0" hangingPunct="1">
+        <a:defRPr sz="2160" kern="1200">
+          <a:solidFill>
+            <a:schemeClr val="tx1"/>
+          </a:solidFill>
+          <a:latin typeface="+mn-lt"/>
+          <a:ea typeface="+mn-ea"/>
+          <a:cs typeface="+mn-cs"/>
+        </a:defRPr>
+      </a:lvl3pPr>
+      <a:lvl4pPr marL="1645920" algn="l" defTabSz="1097280" rtl="0" eaLnBrk="1" latinLnBrk="0" hangingPunct="1">
+        <a:defRPr sz="2160" kern="1200">
+          <a:solidFill>
+            <a:schemeClr val="tx1"/>
+          </a:solidFill>
+          <a:latin typeface="+mn-lt"/>
+          <a:ea typeface="+mn-ea"/>
+          <a:cs typeface="+mn-cs"/>
+        </a:defRPr>
+      </a:lvl4pPr>
+      <a:lvl5pPr marL="2194560" algn="l" defTabSz="1097280" rtl="0" eaLnBrk="1" latinLnBrk="0" hangingPunct="1">
+        <a:defRPr sz="2160" kern="1200">
+          <a:solidFill>
+            <a:schemeClr val="tx1"/>
+          </a:solidFill>
+          <a:latin typeface="+mn-lt"/>
+          <a:ea typeface="+mn-ea"/>
+          <a:cs typeface="+mn-cs"/>
+        </a:defRPr>
+      </a:lvl5pPr>
+      <a:lvl6pPr marL="2743200" algn="l" defTabSz="1097280" rtl="0" eaLnBrk="1" latinLnBrk="0" hangingPunct="1">
+        <a:defRPr sz="2160" kern="1200">
+          <a:solidFill>
+            <a:schemeClr val="tx1"/>
+          </a:solidFill>
+          <a:latin typeface="+mn-lt"/>
+          <a:ea typeface="+mn-ea"/>
+          <a:cs typeface="+mn-cs"/>
+        </a:defRPr>
+      </a:lvl6pPr>
+      <a:lvl7pPr marL="3291840" algn="l" defTabSz="1097280" rtl="0" eaLnBrk="1" latinLnBrk="0" hangingPunct="1">
+        <a:defRPr sz="2160" kern="1200">
+          <a:solidFill>
+            <a:schemeClr val="tx1"/>
+          </a:solidFill>
+          <a:latin typeface="+mn-lt"/>
+          <a:ea typeface="+mn-ea"/>
+          <a:cs typeface="+mn-cs"/>
+        </a:defRPr>
+      </a:lvl7pPr>
+      <a:lvl8pPr marL="3840480" algn="l" defTabSz="1097280" rtl="0" eaLnBrk="1" latinLnBrk="0" hangingPunct="1">
+        <a:defRPr sz="2160" kern="1200">
+          <a:solidFill>
+            <a:schemeClr val="tx1"/>
+          </a:solidFill>
+          <a:latin typeface="+mn-lt"/>
+          <a:ea typeface="+mn-ea"/>
+          <a:cs typeface="+mn-cs"/>
+        </a:defRPr>
+      </a:lvl8pPr>
+      <a:lvl9pPr marL="4389120" algn="l" defTabSz="1097280" rtl="0" eaLnBrk="1" latinLnBrk="0" hangingPunct="1">
+        <a:defRPr sz="2160" kern="1200">
+          <a:solidFill>
+            <a:schemeClr val="tx1"/>
+          </a:solidFill>
+          <a:latin typeface="+mn-lt"/>
+          <a:ea typeface="+mn-ea"/>
+          <a:cs typeface="+mn-cs"/>
+        </a:defRPr>
+      </a:lvl9pPr>
+    </p:otherStyle>
+  </p:txStyles>
+  <p:extLst>
+    <p:ext uri="{27BBF7A9-308A-43DC-89C8-2F10F3537804}">
+      <p15:sldGuideLst xmlns:p15="http://schemas.microsoft.com/office/powerpoint/2012/main">
+        <p15:guide id="1" pos="6720" userDrawn="1">
+          <p15:clr>
+            <a:srgbClr val="F26B43"/>
+          </p15:clr>
+        </p15:guide>
+        <p15:guide id="2" orient="horz" pos="2592" userDrawn="1">
+          <p15:clr>
+            <a:srgbClr val="F26B43"/>
+          </p15:clr>
+        </p15:guide>
+        <p15:guide id="3" orient="horz" pos="480" userDrawn="1">
+          <p15:clr>
+            <a:srgbClr val="F26B43"/>
+          </p15:clr>
+        </p15:guide>
+        <p15:guide id="4" orient="horz" pos="576" userDrawn="1">
+          <p15:clr>
+            <a:srgbClr val="F26B43"/>
+          </p15:clr>
+        </p15:guide>
+        <p15:guide id="5" orient="horz" pos="1176" userDrawn="1">
+          <p15:clr>
+            <a:srgbClr val="F26B43"/>
+          </p15:clr>
+        </p15:guide>
+        <p15:guide id="6" orient="horz" pos="1272" userDrawn="1">
+          <p15:clr>
+            <a:srgbClr val="F26B43"/>
+          </p15:clr>
+        </p15:guide>
+        <p15:guide id="7" pos="288" userDrawn="1">
+          <p15:clr>
+            <a:srgbClr val="F26B43"/>
+          </p15:clr>
+        </p15:guide>
+        <p15:guide id="8" pos="8928" userDrawn="1">
+          <p15:clr>
+            <a:srgbClr val="F26B43"/>
+          </p15:clr>
+        </p15:guide>
+        <p15:guide id="9" orient="horz" pos="4872" userDrawn="1">
+          <p15:clr>
+            <a:srgbClr val="F26B43"/>
+          </p15:clr>
+        </p15:guide>
+        <p15:guide id="10" pos="6528" userDrawn="1">
+          <p15:clr>
+            <a:srgbClr val="F26B43"/>
+          </p15:clr>
+        </p15:guide>
+        <p15:guide id="11" pos="576" userDrawn="1">
+          <p15:clr>
+            <a:srgbClr val="F26B43"/>
+          </p15:clr>
+        </p15:guide>
+      </p15:sldGuideLst>
+    </p:ext>
+  </p:extLst>
+</p:sldMaster>
+</file>
+
 <file path=ppt/slides/slide1.xml><?xml version="1.0" encoding="utf-8"?>
 <p:sld xmlns:a="http://schemas.openxmlformats.org/drawingml/2006/main" xmlns:r="http://schemas.openxmlformats.org/officeDocument/2006/relationships" xmlns:p="http://schemas.openxmlformats.org/presentationml/2006/main">
   <p:cSld>
@@ -3166,84 +6764,12 @@
       </p:grpSpPr>
       <p:sp>
         <p:nvSpPr>
-          <p:cNvPr id="5" name="Text Placeholder 4"/>
-          <p:cNvSpPr>
-            <a:spLocks noGrp="1"/>
-          </p:cNvSpPr>
-          <p:nvPr>
-            <p:ph type="body" idx="1"/>
-          </p:nvPr>
-        </p:nvSpPr>
-        <p:spPr/>
-        <p:txBody>
-          <a:bodyPr>
-            <a:noAutofit/>
-          </a:bodyPr>
-          <a:lstStyle/>
-          <a:p>
-            <a:r>
-              <a:rPr lang="en-US" dirty="0" smtClean="0"/>
-              <a:t>May 2017</a:t>
-            </a:r>
-            <a:endParaRPr lang="en-US" dirty="0"/>
-          </a:p>
-        </p:txBody>
-      </p:sp>
-      <p:sp>
-        <p:nvSpPr>
-          <p:cNvPr id="6" name="Text Placeholder 5"/>
-          <p:cNvSpPr>
-            <a:spLocks noGrp="1"/>
-          </p:cNvSpPr>
-          <p:nvPr>
-            <p:ph type="body" sz="quarter" idx="3"/>
-          </p:nvPr>
-        </p:nvSpPr>
-        <p:spPr>
-          <a:xfrm>
-            <a:off x="3081131" y="5879399"/>
-            <a:ext cx="7282070" cy="440719"/>
-          </a:xfrm>
-        </p:spPr>
-        <p:txBody>
-          <a:bodyPr>
-            <a:noAutofit/>
-          </a:bodyPr>
-          <a:lstStyle/>
-          <a:p>
-            <a:r>
-              <a:rPr lang="en-US" dirty="0" smtClean="0"/>
-              <a:t>Georgia Tech Research </a:t>
-            </a:r>
-            <a:r>
-              <a:rPr lang="en-US" dirty="0" smtClean="0"/>
-              <a:t>Institute</a:t>
-            </a:r>
-          </a:p>
-          <a:p>
-            <a:r>
-              <a:rPr lang="en-US" dirty="0" smtClean="0"/>
-              <a:t>Trevor.Goodyear@gtri.gatech.edu</a:t>
-            </a:r>
-            <a:br>
-              <a:rPr lang="en-US" dirty="0" smtClean="0"/>
-            </a:br>
-            <a:r>
-              <a:rPr lang="en-US" dirty="0" smtClean="0"/>
-              <a:t>Jason.Poovey@gtri.gatech.edu</a:t>
-            </a:r>
-            <a:endParaRPr lang="en-US" dirty="0"/>
-          </a:p>
-        </p:txBody>
-      </p:sp>
-      <p:sp>
-        <p:nvSpPr>
           <p:cNvPr id="4" name="Title 3"/>
           <p:cNvSpPr>
             <a:spLocks noGrp="1"/>
           </p:cNvSpPr>
           <p:nvPr>
-            <p:ph type="title"/>
+            <p:ph type="ctrTitle"/>
           </p:nvPr>
         </p:nvSpPr>
         <p:spPr/>
@@ -3256,6 +6782,25 @@
               <a:t>Installation and Use of Bedrock</a:t>
             </a:r>
             <a:endParaRPr lang="en-US" dirty="0"/>
+          </a:p>
+        </p:txBody>
+      </p:sp>
+      <p:sp>
+        <p:nvSpPr>
+          <p:cNvPr id="3" name="Subtitle 2"/>
+          <p:cNvSpPr>
+            <a:spLocks noGrp="1"/>
+          </p:cNvSpPr>
+          <p:nvPr>
+            <p:ph type="subTitle" idx="1"/>
+          </p:nvPr>
+        </p:nvSpPr>
+        <p:spPr/>
+        <p:txBody>
+          <a:bodyPr/>
+          <a:lstStyle/>
+          <a:p>
+            <a:endParaRPr lang="en-US"/>
           </a:p>
         </p:txBody>
       </p:sp>
@@ -3291,12 +6836,12 @@
       </p:grpSpPr>
       <p:sp>
         <p:nvSpPr>
-          <p:cNvPr id="11" name="Content Placeholder 10"/>
-          <p:cNvSpPr>
-            <a:spLocks noGrp="1"/>
-          </p:cNvSpPr>
-          <p:nvPr>
-            <p:ph sz="quarter" idx="10"/>
+          <p:cNvPr id="10" name="Title 9"/>
+          <p:cNvSpPr>
+            <a:spLocks noGrp="1"/>
+          </p:cNvSpPr>
+          <p:nvPr>
+            <p:ph type="title"/>
           </p:nvPr>
         </p:nvSpPr>
         <p:spPr/>
@@ -3306,6 +6851,31 @@
           <a:p>
             <a:r>
               <a:rPr lang="en-US" dirty="0" smtClean="0"/>
+              <a:t>Prerequisites</a:t>
+            </a:r>
+            <a:endParaRPr lang="en-US" dirty="0"/>
+          </a:p>
+        </p:txBody>
+      </p:sp>
+      <p:sp>
+        <p:nvSpPr>
+          <p:cNvPr id="11" name="Content Placeholder 10"/>
+          <p:cNvSpPr>
+            <a:spLocks noGrp="1"/>
+          </p:cNvSpPr>
+          <p:nvPr>
+            <p:ph idx="1"/>
+          </p:nvPr>
+        </p:nvSpPr>
+        <p:spPr/>
+        <p:txBody>
+          <a:bodyPr>
+            <a:normAutofit/>
+          </a:bodyPr>
+          <a:lstStyle/>
+          <a:p>
+            <a:r>
+              <a:rPr lang="en-US" dirty="0" smtClean="0"/>
               <a:t>Docker</a:t>
             </a:r>
           </a:p>
@@ -3368,29 +6938,6 @@
             <a:r>
               <a:rPr lang="en-US" dirty="0" smtClean="0"/>
               <a:t>https://jupyter.org</a:t>
-            </a:r>
-            <a:endParaRPr lang="en-US" dirty="0"/>
-          </a:p>
-        </p:txBody>
-      </p:sp>
-      <p:sp>
-        <p:nvSpPr>
-          <p:cNvPr id="10" name="Title 9"/>
-          <p:cNvSpPr>
-            <a:spLocks noGrp="1"/>
-          </p:cNvSpPr>
-          <p:nvPr>
-            <p:ph type="title"/>
-          </p:nvPr>
-        </p:nvSpPr>
-        <p:spPr/>
-        <p:txBody>
-          <a:bodyPr/>
-          <a:lstStyle/>
-          <a:p>
-            <a:r>
-              <a:rPr lang="en-US" dirty="0" smtClean="0"/>
-              <a:t>Prerequisites</a:t>
             </a:r>
             <a:endParaRPr lang="en-US" dirty="0"/>
           </a:p>
@@ -3436,32 +6983,45 @@
             <p:ph type="title"/>
           </p:nvPr>
         </p:nvSpPr>
+        <p:spPr>
+          <a:xfrm>
+            <a:off x="1005840" y="600074"/>
+            <a:ext cx="12618720" cy="1590676"/>
+          </a:xfrm>
+        </p:spPr>
+        <p:txBody>
+          <a:bodyPr>
+            <a:normAutofit/>
+          </a:bodyPr>
+          <a:lstStyle/>
+          <a:p>
+            <a:r>
+              <a:rPr lang="en-US" sz="4400" dirty="0" smtClean="0"/>
+              <a:t>Checkout Bedrock from Github.com Start the Docker </a:t>
+            </a:r>
+            <a:r>
+              <a:rPr lang="en-US" sz="4400" dirty="0" smtClean="0"/>
+              <a:t>Container</a:t>
+            </a:r>
+            <a:endParaRPr lang="en-US" sz="4400" dirty="0"/>
+          </a:p>
+        </p:txBody>
+      </p:sp>
+      <p:sp>
+        <p:nvSpPr>
+          <p:cNvPr id="4" name="Text Placeholder 3"/>
+          <p:cNvSpPr>
+            <a:spLocks noGrp="1"/>
+          </p:cNvSpPr>
+          <p:nvPr>
+            <p:ph idx="1"/>
+          </p:nvPr>
+        </p:nvSpPr>
         <p:spPr/>
         <p:txBody>
-          <a:bodyPr/>
-          <a:lstStyle/>
-          <a:p>
-            <a:r>
-              <a:rPr lang="en-US" dirty="0" smtClean="0"/>
-              <a:t>Checkout Bedrock from Github.com Start the Docker Container, and Install Logit2 Notebook</a:t>
-            </a:r>
-            <a:endParaRPr lang="en-US" dirty="0"/>
-          </a:p>
-        </p:txBody>
-      </p:sp>
-      <p:sp>
-        <p:nvSpPr>
-          <p:cNvPr id="4" name="Text Placeholder 3"/>
-          <p:cNvSpPr>
-            <a:spLocks noGrp="1"/>
-          </p:cNvSpPr>
-          <p:nvPr>
-            <p:ph type="body" sz="quarter" idx="10"/>
-          </p:nvPr>
-        </p:nvSpPr>
-        <p:spPr/>
-        <p:txBody>
-          <a:bodyPr/>
+          <a:bodyPr>
+            <a:normAutofit lnSpcReduction="10000"/>
+          </a:bodyPr>
           <a:lstStyle/>
           <a:p>
             <a:r>
@@ -3614,27 +7174,6 @@
                 <a:cs typeface="Consolas" panose="020B0609020204030204" pitchFamily="49" charset="0"/>
               </a:rPr>
             </a:br>
-            <a:r>
-              <a:rPr lang="en-US" dirty="0" err="1">
-                <a:latin typeface="Consolas" panose="020B0609020204030204" pitchFamily="49" charset="0"/>
-                <a:cs typeface="Consolas" panose="020B0609020204030204" pitchFamily="49" charset="0"/>
-              </a:rPr>
-              <a:t>sh</a:t>
-            </a:r>
-            <a:r>
-              <a:rPr lang="en-US" dirty="0">
-                <a:latin typeface="Consolas" panose="020B0609020204030204" pitchFamily="49" charset="0"/>
-                <a:cs typeface="Consolas" panose="020B0609020204030204" pitchFamily="49" charset="0"/>
-              </a:rPr>
-              <a:t> bin/docker_install_opal.sh $ID </a:t>
-            </a:r>
-            <a:r>
-              <a:rPr lang="en-US" dirty="0" smtClean="0">
-                <a:latin typeface="Consolas" panose="020B0609020204030204" pitchFamily="49" charset="0"/>
-                <a:cs typeface="Consolas" panose="020B0609020204030204" pitchFamily="49" charset="0"/>
-              </a:rPr>
-              <a:t>opal-analytics-logit2</a:t>
-            </a:r>
             <a:endParaRPr lang="en-US" dirty="0">
               <a:latin typeface="Consolas" panose="020B0609020204030204" pitchFamily="49" charset="0"/>
               <a:cs typeface="Consolas" panose="020B0609020204030204" pitchFamily="49" charset="0"/>
@@ -3674,7 +7213,7 @@
       </p:grpSpPr>
       <p:sp>
         <p:nvSpPr>
-          <p:cNvPr id="4" name="Title 3"/>
+          <p:cNvPr id="2" name="Title 1"/>
           <p:cNvSpPr>
             <a:spLocks noGrp="1"/>
           </p:cNvSpPr>
@@ -3688,6 +7227,224 @@
           <a:lstStyle/>
           <a:p>
             <a:r>
+              <a:rPr lang="en-US" dirty="0" smtClean="0"/>
+              <a:t>Install logit2 Opal</a:t>
+            </a:r>
+            <a:endParaRPr lang="en-US" dirty="0"/>
+          </a:p>
+        </p:txBody>
+      </p:sp>
+      <p:sp>
+        <p:nvSpPr>
+          <p:cNvPr id="3" name="Content Placeholder 2"/>
+          <p:cNvSpPr>
+            <a:spLocks noGrp="1"/>
+          </p:cNvSpPr>
+          <p:nvPr>
+            <p:ph idx="1"/>
+          </p:nvPr>
+        </p:nvSpPr>
+        <p:spPr/>
+        <p:txBody>
+          <a:bodyPr/>
+          <a:lstStyle/>
+          <a:p>
+            <a:r>
+              <a:rPr lang="en-US" dirty="0" smtClean="0"/>
+              <a:t>Download the logit2 Opal into a local directory and run the following to install the logit2 Opal</a:t>
+            </a:r>
+            <a:br>
+              <a:rPr lang="en-US" dirty="0" smtClean="0"/>
+            </a:br>
+            <a:r>
+              <a:rPr lang="en-US" dirty="0" smtClean="0"/>
+              <a:t/>
+            </a:r>
+            <a:br>
+              <a:rPr lang="en-US" dirty="0" smtClean="0"/>
+            </a:br>
+            <a:r>
+              <a:rPr lang="en-US" dirty="0" err="1" smtClean="0">
+                <a:latin typeface="Consolas" panose="020B0609020204030204" pitchFamily="49" charset="0"/>
+                <a:cs typeface="Consolas" panose="020B0609020204030204" pitchFamily="49" charset="0"/>
+              </a:rPr>
+              <a:t>sh</a:t>
+            </a:r>
+            <a:r>
+              <a:rPr lang="en-US" dirty="0" smtClean="0">
+                <a:latin typeface="Consolas" panose="020B0609020204030204" pitchFamily="49" charset="0"/>
+                <a:cs typeface="Consolas" panose="020B0609020204030204" pitchFamily="49" charset="0"/>
+              </a:rPr>
+              <a:t> bin/</a:t>
+            </a:r>
+            <a:r>
+              <a:rPr lang="en-US" dirty="0" err="1" smtClean="0">
+                <a:latin typeface="Consolas" panose="020B0609020204030204" pitchFamily="49" charset="0"/>
+                <a:cs typeface="Consolas" panose="020B0609020204030204" pitchFamily="49" charset="0"/>
+              </a:rPr>
+              <a:t>docker_install_opal.sh</a:t>
+            </a:r>
+            <a:r>
+              <a:rPr lang="en-US" dirty="0" smtClean="0">
+                <a:latin typeface="Consolas" panose="020B0609020204030204" pitchFamily="49" charset="0"/>
+                <a:cs typeface="Consolas" panose="020B0609020204030204" pitchFamily="49" charset="0"/>
+              </a:rPr>
+              <a:t> $ID opal-analytics-logit2</a:t>
+            </a:r>
+            <a:endParaRPr lang="en-US" dirty="0"/>
+          </a:p>
+        </p:txBody>
+      </p:sp>
+    </p:spTree>
+    <p:extLst>
+      <p:ext uri="{BB962C8B-B14F-4D97-AF65-F5344CB8AC3E}">
+        <p14:creationId xmlns:p14="http://schemas.microsoft.com/office/powerpoint/2010/main" val="902639405"/>
+      </p:ext>
+    </p:extLst>
+  </p:cSld>
+  <p:clrMapOvr>
+    <a:masterClrMapping/>
+  </p:clrMapOvr>
+</p:sld>
+</file>
+
+<file path=ppt/slides/slide5.xml><?xml version="1.0" encoding="utf-8"?>
+<p:sld xmlns:a="http://schemas.openxmlformats.org/drawingml/2006/main" xmlns:r="http://schemas.openxmlformats.org/officeDocument/2006/relationships" xmlns:p="http://schemas.openxmlformats.org/presentationml/2006/main">
+  <p:cSld>
+    <p:spTree>
+      <p:nvGrpSpPr>
+        <p:cNvPr id="1" name=""/>
+        <p:cNvGrpSpPr/>
+        <p:nvPr/>
+      </p:nvGrpSpPr>
+      <p:grpSpPr>
+        <a:xfrm>
+          <a:off x="0" y="0"/>
+          <a:ext cx="0" cy="0"/>
+          <a:chOff x="0" y="0"/>
+          <a:chExt cx="0" cy="0"/>
+        </a:xfrm>
+      </p:grpSpPr>
+      <p:sp>
+        <p:nvSpPr>
+          <p:cNvPr id="2" name="Title 1"/>
+          <p:cNvSpPr>
+            <a:spLocks noGrp="1"/>
+          </p:cNvSpPr>
+          <p:nvPr>
+            <p:ph type="title"/>
+          </p:nvPr>
+        </p:nvSpPr>
+        <p:spPr/>
+        <p:txBody>
+          <a:bodyPr/>
+          <a:lstStyle/>
+          <a:p>
+            <a:r>
+              <a:rPr lang="en-US" dirty="0" smtClean="0"/>
+              <a:t>Running the Example Notebook</a:t>
+            </a:r>
+            <a:endParaRPr lang="en-US" dirty="0"/>
+          </a:p>
+        </p:txBody>
+      </p:sp>
+      <p:sp>
+        <p:nvSpPr>
+          <p:cNvPr id="3" name="Content Placeholder 2"/>
+          <p:cNvSpPr>
+            <a:spLocks noGrp="1"/>
+          </p:cNvSpPr>
+          <p:nvPr>
+            <p:ph idx="1"/>
+          </p:nvPr>
+        </p:nvSpPr>
+        <p:spPr/>
+        <p:txBody>
+          <a:bodyPr/>
+          <a:lstStyle/>
+          <a:p>
+            <a:r>
+              <a:rPr lang="en-US" dirty="0" smtClean="0"/>
+              <a:t>Locate the bedrock/examples/RAND2011study directory in the bedrock-core directory</a:t>
+            </a:r>
+          </a:p>
+          <a:p>
+            <a:r>
+              <a:rPr lang="en-US" dirty="0" smtClean="0"/>
+              <a:t>Run `</a:t>
+            </a:r>
+            <a:r>
+              <a:rPr lang="en-US" dirty="0" err="1" smtClean="0"/>
+              <a:t>jupyter</a:t>
+            </a:r>
+            <a:r>
+              <a:rPr lang="en-US" dirty="0" smtClean="0"/>
+              <a:t> notebook` in that directory and open the </a:t>
+            </a:r>
+            <a:r>
+              <a:rPr lang="en-US" dirty="0" err="1" smtClean="0"/>
+              <a:t>workflow.ipynb</a:t>
+            </a:r>
+            <a:r>
+              <a:rPr lang="en-US" dirty="0" smtClean="0"/>
+              <a:t> notebook</a:t>
+            </a:r>
+          </a:p>
+          <a:p>
+            <a:r>
+              <a:rPr lang="en-US" dirty="0" smtClean="0"/>
+              <a:t>This example runs a series of logit2 analyses that mirror the Rand et al 2011 study of cooperation in dynamic and static networks</a:t>
+            </a:r>
+            <a:endParaRPr lang="en-US" dirty="0"/>
+          </a:p>
+        </p:txBody>
+      </p:sp>
+    </p:spTree>
+    <p:extLst>
+      <p:ext uri="{BB962C8B-B14F-4D97-AF65-F5344CB8AC3E}">
+        <p14:creationId xmlns:p14="http://schemas.microsoft.com/office/powerpoint/2010/main" val="589040397"/>
+      </p:ext>
+    </p:extLst>
+  </p:cSld>
+  <p:clrMapOvr>
+    <a:masterClrMapping/>
+  </p:clrMapOvr>
+</p:sld>
+</file>
+
+<file path=ppt/slides/slide6.xml><?xml version="1.0" encoding="utf-8"?>
+<p:sld xmlns:a="http://schemas.openxmlformats.org/drawingml/2006/main" xmlns:r="http://schemas.openxmlformats.org/officeDocument/2006/relationships" xmlns:p="http://schemas.openxmlformats.org/presentationml/2006/main">
+  <p:cSld>
+    <p:spTree>
+      <p:nvGrpSpPr>
+        <p:cNvPr id="1" name=""/>
+        <p:cNvGrpSpPr/>
+        <p:nvPr/>
+      </p:nvGrpSpPr>
+      <p:grpSpPr>
+        <a:xfrm>
+          <a:off x="0" y="0"/>
+          <a:ext cx="0" cy="0"/>
+          <a:chOff x="0" y="0"/>
+          <a:chExt cx="0" cy="0"/>
+        </a:xfrm>
+      </p:grpSpPr>
+      <p:sp>
+        <p:nvSpPr>
+          <p:cNvPr id="4" name="Title 3"/>
+          <p:cNvSpPr>
+            <a:spLocks noGrp="1"/>
+          </p:cNvSpPr>
+          <p:nvPr>
+            <p:ph type="title"/>
+          </p:nvPr>
+        </p:nvSpPr>
+        <p:spPr/>
+        <p:txBody>
+          <a:bodyPr/>
+          <a:lstStyle/>
+          <a:p>
+            <a:r>
               <a:rPr lang="en-US" dirty="0" err="1" smtClean="0"/>
               <a:t>Jupyter</a:t>
             </a:r>
@@ -3696,6 +7453,25 @@
               <a:t> Notebook Example</a:t>
             </a:r>
             <a:endParaRPr lang="en-US" dirty="0"/>
+          </a:p>
+        </p:txBody>
+      </p:sp>
+      <p:sp>
+        <p:nvSpPr>
+          <p:cNvPr id="6" name="Content Placeholder 5"/>
+          <p:cNvSpPr>
+            <a:spLocks noGrp="1"/>
+          </p:cNvSpPr>
+          <p:nvPr>
+            <p:ph idx="1"/>
+          </p:nvPr>
+        </p:nvSpPr>
+        <p:spPr/>
+        <p:txBody>
+          <a:bodyPr/>
+          <a:lstStyle/>
+          <a:p>
+            <a:endParaRPr lang="en-US"/>
           </a:p>
         </p:txBody>
       </p:sp>
@@ -3760,7 +7536,7 @@
 </p:sld>
 </file>
 
-<file path=ppt/slides/slide5.xml><?xml version="1.0" encoding="utf-8"?>
+<file path=ppt/slides/slide7.xml><?xml version="1.0" encoding="utf-8"?>
 <p:sld xmlns:a="http://schemas.openxmlformats.org/drawingml/2006/main" xmlns:r="http://schemas.openxmlformats.org/officeDocument/2006/relationships" xmlns:p="http://schemas.openxmlformats.org/presentationml/2006/main">
   <p:cSld>
     <p:spTree>
@@ -3801,6 +7577,25 @@
               <a:t> Notebook Example</a:t>
             </a:r>
             <a:endParaRPr lang="en-US" dirty="0"/>
+          </a:p>
+        </p:txBody>
+      </p:sp>
+      <p:sp>
+        <p:nvSpPr>
+          <p:cNvPr id="6" name="Content Placeholder 5"/>
+          <p:cNvSpPr>
+            <a:spLocks noGrp="1"/>
+          </p:cNvSpPr>
+          <p:nvPr>
+            <p:ph idx="1"/>
+          </p:nvPr>
+        </p:nvSpPr>
+        <p:spPr/>
+        <p:txBody>
+          <a:bodyPr/>
+          <a:lstStyle/>
+          <a:p>
+            <a:endParaRPr lang="en-US"/>
           </a:p>
         </p:txBody>
       </p:sp>
@@ -4191,6 +7986,267 @@
         <a:sysClr val="window" lastClr="FFFFFF"/>
       </a:lt1>
       <a:dk2>
+        <a:srgbClr val="44546A"/>
+      </a:dk2>
+      <a:lt2>
+        <a:srgbClr val="E7E6E6"/>
+      </a:lt2>
+      <a:accent1>
+        <a:srgbClr val="4472C4"/>
+      </a:accent1>
+      <a:accent2>
+        <a:srgbClr val="ED7D31"/>
+      </a:accent2>
+      <a:accent3>
+        <a:srgbClr val="A5A5A5"/>
+      </a:accent3>
+      <a:accent4>
+        <a:srgbClr val="FFC000"/>
+      </a:accent4>
+      <a:accent5>
+        <a:srgbClr val="5B9BD5"/>
+      </a:accent5>
+      <a:accent6>
+        <a:srgbClr val="70AD47"/>
+      </a:accent6>
+      <a:hlink>
+        <a:srgbClr val="0563C1"/>
+      </a:hlink>
+      <a:folHlink>
+        <a:srgbClr val="954F72"/>
+      </a:folHlink>
+    </a:clrScheme>
+    <a:fontScheme name="Office">
+      <a:majorFont>
+        <a:latin typeface="Calibri Light" panose="020F0302020204030204"/>
+        <a:ea typeface=""/>
+        <a:cs typeface=""/>
+        <a:font script="Jpan" typeface="Yu Gothic Light"/>
+        <a:font script="Hang" typeface="맑은 고딕"/>
+        <a:font script="Hans" typeface="DengXian Light"/>
+        <a:font script="Hant" typeface="新細明體"/>
+        <a:font script="Arab" typeface="Times New Roman"/>
+        <a:font script="Hebr" typeface="Times New Roman"/>
+        <a:font script="Thai" typeface="Angsana New"/>
+        <a:font script="Ethi" typeface="Nyala"/>
+        <a:font script="Beng" typeface="Vrinda"/>
+        <a:font script="Gujr" typeface="Shruti"/>
+        <a:font script="Khmr" typeface="MoolBoran"/>
+        <a:font script="Knda" typeface="Tunga"/>
+        <a:font script="Guru" typeface="Raavi"/>
+        <a:font script="Cans" typeface="Euphemia"/>
+        <a:font script="Cher" typeface="Plantagenet Cherokee"/>
+        <a:font script="Yiii" typeface="Microsoft Yi Baiti"/>
+        <a:font script="Tibt" typeface="Microsoft Himalaya"/>
+        <a:font script="Thaa" typeface="MV Boli"/>
+        <a:font script="Deva" typeface="Mangal"/>
+        <a:font script="Telu" typeface="Gautami"/>
+        <a:font script="Taml" typeface="Latha"/>
+        <a:font script="Syrc" typeface="Estrangelo Edessa"/>
+        <a:font script="Orya" typeface="Kalinga"/>
+        <a:font script="Mlym" typeface="Kartika"/>
+        <a:font script="Laoo" typeface="DokChampa"/>
+        <a:font script="Sinh" typeface="Iskoola Pota"/>
+        <a:font script="Mong" typeface="Mongolian Baiti"/>
+        <a:font script="Viet" typeface="Times New Roman"/>
+        <a:font script="Uigh" typeface="Microsoft Uighur"/>
+        <a:font script="Geor" typeface="Sylfaen"/>
+      </a:majorFont>
+      <a:minorFont>
+        <a:latin typeface="Calibri" panose="020F0502020204030204"/>
+        <a:ea typeface=""/>
+        <a:cs typeface=""/>
+        <a:font script="Jpan" typeface="Yu Gothic"/>
+        <a:font script="Hang" typeface="맑은 고딕"/>
+        <a:font script="Hans" typeface="DengXian"/>
+        <a:font script="Hant" typeface="新細明體"/>
+        <a:font script="Arab" typeface="Arial"/>
+        <a:font script="Hebr" typeface="Arial"/>
+        <a:font script="Thai" typeface="Cordia New"/>
+        <a:font script="Ethi" typeface="Nyala"/>
+        <a:font script="Beng" typeface="Vrinda"/>
+        <a:font script="Gujr" typeface="Shruti"/>
+        <a:font script="Khmr" typeface="DaunPenh"/>
+        <a:font script="Knda" typeface="Tunga"/>
+        <a:font script="Guru" typeface="Raavi"/>
+        <a:font script="Cans" typeface="Euphemia"/>
+        <a:font script="Cher" typeface="Plantagenet Cherokee"/>
+        <a:font script="Yiii" typeface="Microsoft Yi Baiti"/>
+        <a:font script="Tibt" typeface="Microsoft Himalaya"/>
+        <a:font script="Thaa" typeface="MV Boli"/>
+        <a:font script="Deva" typeface="Mangal"/>
+        <a:font script="Telu" typeface="Gautami"/>
+        <a:font script="Taml" typeface="Latha"/>
+        <a:font script="Syrc" typeface="Estrangelo Edessa"/>
+        <a:font script="Orya" typeface="Kalinga"/>
+        <a:font script="Mlym" typeface="Kartika"/>
+        <a:font script="Laoo" typeface="DokChampa"/>
+        <a:font script="Sinh" typeface="Iskoola Pota"/>
+        <a:font script="Mong" typeface="Mongolian Baiti"/>
+        <a:font script="Viet" typeface="Arial"/>
+        <a:font script="Uigh" typeface="Microsoft Uighur"/>
+        <a:font script="Geor" typeface="Sylfaen"/>
+      </a:minorFont>
+    </a:fontScheme>
+    <a:fmtScheme name="Office">
+      <a:fillStyleLst>
+        <a:solidFill>
+          <a:schemeClr val="phClr"/>
+        </a:solidFill>
+        <a:gradFill rotWithShape="1">
+          <a:gsLst>
+            <a:gs pos="0">
+              <a:schemeClr val="phClr">
+                <a:lumMod val="110000"/>
+                <a:satMod val="105000"/>
+                <a:tint val="67000"/>
+              </a:schemeClr>
+            </a:gs>
+            <a:gs pos="50000">
+              <a:schemeClr val="phClr">
+                <a:lumMod val="105000"/>
+                <a:satMod val="103000"/>
+                <a:tint val="73000"/>
+              </a:schemeClr>
+            </a:gs>
+            <a:gs pos="100000">
+              <a:schemeClr val="phClr">
+                <a:lumMod val="105000"/>
+                <a:satMod val="109000"/>
+                <a:tint val="81000"/>
+              </a:schemeClr>
+            </a:gs>
+          </a:gsLst>
+          <a:lin ang="5400000" scaled="0"/>
+        </a:gradFill>
+        <a:gradFill rotWithShape="1">
+          <a:gsLst>
+            <a:gs pos="0">
+              <a:schemeClr val="phClr">
+                <a:satMod val="103000"/>
+                <a:lumMod val="102000"/>
+                <a:tint val="94000"/>
+              </a:schemeClr>
+            </a:gs>
+            <a:gs pos="50000">
+              <a:schemeClr val="phClr">
+                <a:satMod val="110000"/>
+                <a:lumMod val="100000"/>
+                <a:shade val="100000"/>
+              </a:schemeClr>
+            </a:gs>
+            <a:gs pos="100000">
+              <a:schemeClr val="phClr">
+                <a:lumMod val="99000"/>
+                <a:satMod val="120000"/>
+                <a:shade val="78000"/>
+              </a:schemeClr>
+            </a:gs>
+          </a:gsLst>
+          <a:lin ang="5400000" scaled="0"/>
+        </a:gradFill>
+      </a:fillStyleLst>
+      <a:lnStyleLst>
+        <a:ln w="6350" cap="flat" cmpd="sng" algn="ctr">
+          <a:solidFill>
+            <a:schemeClr val="phClr"/>
+          </a:solidFill>
+          <a:prstDash val="solid"/>
+          <a:miter lim="800000"/>
+        </a:ln>
+        <a:ln w="12700" cap="flat" cmpd="sng" algn="ctr">
+          <a:solidFill>
+            <a:schemeClr val="phClr"/>
+          </a:solidFill>
+          <a:prstDash val="solid"/>
+          <a:miter lim="800000"/>
+        </a:ln>
+        <a:ln w="19050" cap="flat" cmpd="sng" algn="ctr">
+          <a:solidFill>
+            <a:schemeClr val="phClr"/>
+          </a:solidFill>
+          <a:prstDash val="solid"/>
+          <a:miter lim="800000"/>
+        </a:ln>
+      </a:lnStyleLst>
+      <a:effectStyleLst>
+        <a:effectStyle>
+          <a:effectLst/>
+        </a:effectStyle>
+        <a:effectStyle>
+          <a:effectLst/>
+        </a:effectStyle>
+        <a:effectStyle>
+          <a:effectLst>
+            <a:outerShdw blurRad="57150" dist="19050" dir="5400000" algn="ctr" rotWithShape="0">
+              <a:srgbClr val="000000">
+                <a:alpha val="63000"/>
+              </a:srgbClr>
+            </a:outerShdw>
+          </a:effectLst>
+        </a:effectStyle>
+      </a:effectStyleLst>
+      <a:bgFillStyleLst>
+        <a:solidFill>
+          <a:schemeClr val="phClr"/>
+        </a:solidFill>
+        <a:solidFill>
+          <a:schemeClr val="phClr">
+            <a:tint val="95000"/>
+            <a:satMod val="170000"/>
+          </a:schemeClr>
+        </a:solidFill>
+        <a:gradFill rotWithShape="1">
+          <a:gsLst>
+            <a:gs pos="0">
+              <a:schemeClr val="phClr">
+                <a:tint val="93000"/>
+                <a:satMod val="150000"/>
+                <a:shade val="98000"/>
+                <a:lumMod val="102000"/>
+              </a:schemeClr>
+            </a:gs>
+            <a:gs pos="50000">
+              <a:schemeClr val="phClr">
+                <a:tint val="98000"/>
+                <a:satMod val="130000"/>
+                <a:shade val="90000"/>
+                <a:lumMod val="103000"/>
+              </a:schemeClr>
+            </a:gs>
+            <a:gs pos="100000">
+              <a:schemeClr val="phClr">
+                <a:shade val="63000"/>
+                <a:satMod val="120000"/>
+              </a:schemeClr>
+            </a:gs>
+          </a:gsLst>
+          <a:lin ang="5400000" scaled="0"/>
+        </a:gradFill>
+      </a:bgFillStyleLst>
+    </a:fmtScheme>
+  </a:themeElements>
+  <a:objectDefaults/>
+  <a:extraClrSchemeLst/>
+  <a:extLst>
+    <a:ext uri="{05A4C25C-085E-4340-85A3-A5531E510DB2}">
+      <thm15:themeFamily xmlns:thm15="http://schemas.microsoft.com/office/thememl/2012/main" name="Office Theme" id="{62F939B6-93AF-4DB8-9C6B-D6C7DFDC589F}" vid="{4A3C46E8-61CC-4603-A589-7422A47A8E4A}"/>
+    </a:ext>
+  </a:extLst>
+</a:theme>
+</file>
+
+<file path=ppt/theme/theme3.xml><?xml version="1.0" encoding="utf-8"?>
+<a:theme xmlns:a="http://schemas.openxmlformats.org/drawingml/2006/main" name="Office Theme">
+  <a:themeElements>
+    <a:clrScheme name="Office">
+      <a:dk1>
+        <a:sysClr val="windowText" lastClr="000000"/>
+      </a:dk1>
+      <a:lt1>
+        <a:sysClr val="window" lastClr="FFFFFF"/>
+      </a:lt1>
+      <a:dk2>
         <a:srgbClr val="1F497D"/>
       </a:dk2>
       <a:lt2>

--- a/docs/QuickStart.pptx
+++ b/docs/QuickStart.pptx
@@ -229,7 +229,7 @@
           <a:p>
             <a:fld id="{651819AA-B41A-40A3-9C20-21EA90F62779}" type="datetimeFigureOut">
               <a:rPr lang="en-US" smtClean="0"/>
-              <a:t>7/17/17</a:t>
+              <a:t>7/18/17</a:t>
             </a:fld>
             <a:endParaRPr lang="en-US"/>
           </a:p>
@@ -965,7 +965,7 @@
           <a:p>
             <a:fld id="{7945E9E4-EAFC-ED42-B4C7-D719C349FAB2}" type="datetimeFigureOut">
               <a:rPr lang="en-US" smtClean="0"/>
-              <a:t>7/17/17</a:t>
+              <a:t>7/18/17</a:t>
             </a:fld>
             <a:endParaRPr lang="en-US"/>
           </a:p>
@@ -1130,7 +1130,7 @@
           <a:p>
             <a:fld id="{7945E9E4-EAFC-ED42-B4C7-D719C349FAB2}" type="datetimeFigureOut">
               <a:rPr lang="en-US" smtClean="0"/>
-              <a:t>7/17/17</a:t>
+              <a:t>7/18/17</a:t>
             </a:fld>
             <a:endParaRPr lang="en-US"/>
           </a:p>
@@ -1371,7 +1371,7 @@
           <a:p>
             <a:fld id="{7945E9E4-EAFC-ED42-B4C7-D719C349FAB2}" type="datetimeFigureOut">
               <a:rPr lang="en-US" smtClean="0"/>
-              <a:t>7/17/17</a:t>
+              <a:t>7/18/17</a:t>
             </a:fld>
             <a:endParaRPr lang="en-US"/>
           </a:p>
@@ -1598,7 +1598,7 @@
           <a:p>
             <a:fld id="{7945E9E4-EAFC-ED42-B4C7-D719C349FAB2}" type="datetimeFigureOut">
               <a:rPr lang="en-US" smtClean="0"/>
-              <a:t>7/17/17</a:t>
+              <a:t>7/18/17</a:t>
             </a:fld>
             <a:endParaRPr lang="en-US"/>
           </a:p>
@@ -1960,7 +1960,7 @@
           <a:p>
             <a:fld id="{7945E9E4-EAFC-ED42-B4C7-D719C349FAB2}" type="datetimeFigureOut">
               <a:rPr lang="en-US" smtClean="0"/>
-              <a:t>7/17/17</a:t>
+              <a:t>7/18/17</a:t>
             </a:fld>
             <a:endParaRPr lang="en-US"/>
           </a:p>
@@ -2073,7 +2073,7 @@
           <a:p>
             <a:fld id="{7945E9E4-EAFC-ED42-B4C7-D719C349FAB2}" type="datetimeFigureOut">
               <a:rPr lang="en-US" smtClean="0"/>
-              <a:t>7/17/17</a:t>
+              <a:t>7/18/17</a:t>
             </a:fld>
             <a:endParaRPr lang="en-US"/>
           </a:p>
@@ -2163,7 +2163,7 @@
           <a:p>
             <a:fld id="{7945E9E4-EAFC-ED42-B4C7-D719C349FAB2}" type="datetimeFigureOut">
               <a:rPr lang="en-US" smtClean="0"/>
-              <a:t>7/17/17</a:t>
+              <a:t>7/18/17</a:t>
             </a:fld>
             <a:endParaRPr lang="en-US"/>
           </a:p>
@@ -2435,7 +2435,7 @@
           <a:p>
             <a:fld id="{7945E9E4-EAFC-ED42-B4C7-D719C349FAB2}" type="datetimeFigureOut">
               <a:rPr lang="en-US" smtClean="0"/>
-              <a:t>7/17/17</a:t>
+              <a:t>7/18/17</a:t>
             </a:fld>
             <a:endParaRPr lang="en-US"/>
           </a:p>
@@ -2683,7 +2683,7 @@
           <a:p>
             <a:fld id="{7945E9E4-EAFC-ED42-B4C7-D719C349FAB2}" type="datetimeFigureOut">
               <a:rPr lang="en-US" smtClean="0"/>
-              <a:t>7/17/17</a:t>
+              <a:t>7/18/17</a:t>
             </a:fld>
             <a:endParaRPr lang="en-US"/>
           </a:p>
@@ -3215,7 +3215,7 @@
           <a:p>
             <a:fld id="{7945E9E4-EAFC-ED42-B4C7-D719C349FAB2}" type="datetimeFigureOut">
               <a:rPr lang="en-US" smtClean="0"/>
-              <a:t>7/17/17</a:t>
+              <a:t>7/18/17</a:t>
             </a:fld>
             <a:endParaRPr lang="en-US"/>
           </a:p>
@@ -3390,7 +3390,7 @@
           <a:p>
             <a:fld id="{7945E9E4-EAFC-ED42-B4C7-D719C349FAB2}" type="datetimeFigureOut">
               <a:rPr lang="en-US" smtClean="0"/>
-              <a:t>7/17/17</a:t>
+              <a:t>7/18/17</a:t>
             </a:fld>
             <a:endParaRPr lang="en-US"/>
           </a:p>
@@ -6206,7 +6206,7 @@
           <a:p>
             <a:fld id="{7945E9E4-EAFC-ED42-B4C7-D719C349FAB2}" type="datetimeFigureOut">
               <a:rPr lang="en-US" smtClean="0"/>
-              <a:t>7/17/17</a:t>
+              <a:t>7/18/17</a:t>
             </a:fld>
             <a:endParaRPr lang="en-US"/>
           </a:p>
@@ -6997,11 +6997,7 @@
           <a:p>
             <a:r>
               <a:rPr lang="en-US" sz="4400" dirty="0" smtClean="0"/>
-              <a:t>Checkout Bedrock from Github.com Start the Docker </a:t>
-            </a:r>
-            <a:r>
-              <a:rPr lang="en-US" sz="4400" dirty="0" smtClean="0"/>
-              <a:t>Container</a:t>
+              <a:t>Checkout Bedrock from Github.com Start the Docker Container</a:t>
             </a:r>
             <a:endParaRPr lang="en-US" sz="4400" dirty="0"/>
           </a:p>
@@ -7152,7 +7148,19 @@
             </a:r>
             <a:r>
               <a:rPr lang="en-US" dirty="0"/>
-              <a:t> run -p 81:81 -p 82:82 -d bedrock</a:t>
+              <a:t> run -p 81:81 -p </a:t>
+            </a:r>
+            <a:r>
+              <a:rPr lang="en-US"/>
+              <a:t>82:82 </a:t>
+            </a:r>
+            <a:r>
+              <a:rPr lang="en-US" smtClean="0"/>
+              <a:t>–name bedrock -d </a:t>
+            </a:r>
+            <a:r>
+              <a:rPr lang="en-US" dirty="0"/>
+              <a:t>bedrock</a:t>
             </a:r>
             <a:r>
               <a:rPr lang="en-US" dirty="0" smtClean="0"/>

--- a/docs/QuickStart.pptx
+++ b/docs/QuickStart.pptx
@@ -7148,14 +7148,10 @@
             </a:r>
             <a:r>
               <a:rPr lang="en-US" dirty="0"/>
-              <a:t> run -p 81:81 -p </a:t>
-            </a:r>
-            <a:r>
-              <a:rPr lang="en-US"/>
-              <a:t>82:82 </a:t>
-            </a:r>
-            <a:r>
-              <a:rPr lang="en-US" smtClean="0"/>
+              <a:t> run -p 81:81 -p 82:82 </a:t>
+            </a:r>
+            <a:r>
+              <a:rPr lang="en-US" dirty="0" smtClean="0"/>
               <a:t>–name bedrock -d </a:t>
             </a:r>
             <a:r>
@@ -7259,7 +7255,23 @@
           <a:p>
             <a:r>
               <a:rPr lang="en-US" dirty="0" smtClean="0"/>
-              <a:t>Download the logit2 Opal into a local directory and run the following to install the logit2 Opal</a:t>
+              <a:t>Install the logit2 Opal into Bedrock (Needed because this is not installed by default by </a:t>
+            </a:r>
+            <a:r>
+              <a:rPr lang="en-US" dirty="0" err="1" smtClean="0"/>
+              <a:t>docker</a:t>
+            </a:r>
+            <a:r>
+              <a:rPr lang="en-US" dirty="0"/>
+              <a:t> </a:t>
+            </a:r>
+            <a:r>
+              <a:rPr lang="en-US" dirty="0" smtClean="0"/>
+              <a:t>into a vanilla Bedrock Server)</a:t>
+            </a:r>
+            <a:r>
+              <a:rPr lang="en-US" dirty="0" smtClean="0"/>
+              <a:t/>
             </a:r>
             <a:br>
               <a:rPr lang="en-US" dirty="0" smtClean="0"/>
@@ -7297,7 +7309,56 @@
                 <a:latin typeface="Consolas" panose="020B0609020204030204" pitchFamily="49" charset="0"/>
                 <a:cs typeface="Consolas" panose="020B0609020204030204" pitchFamily="49" charset="0"/>
               </a:rPr>
-              <a:t> $ID opal-analytics-logit2</a:t>
+              <a:t> </a:t>
+            </a:r>
+            <a:r>
+              <a:rPr lang="en-US" dirty="0" smtClean="0">
+                <a:latin typeface="Consolas" panose="020B0609020204030204" pitchFamily="49" charset="0"/>
+                <a:cs typeface="Consolas" panose="020B0609020204030204" pitchFamily="49" charset="0"/>
+              </a:rPr>
+              <a:t>bedrock </a:t>
+            </a:r>
+            <a:r>
+              <a:rPr lang="en-US" dirty="0" smtClean="0">
+                <a:latin typeface="Consolas" panose="020B0609020204030204" pitchFamily="49" charset="0"/>
+                <a:cs typeface="Consolas" panose="020B0609020204030204" pitchFamily="49" charset="0"/>
+              </a:rPr>
+              <a:t>https</a:t>
+            </a:r>
+            <a:r>
+              <a:rPr lang="en-US" dirty="0">
+                <a:latin typeface="Consolas" panose="020B0609020204030204" pitchFamily="49" charset="0"/>
+                <a:cs typeface="Consolas" panose="020B0609020204030204" pitchFamily="49" charset="0"/>
+              </a:rPr>
+              <a:t>://</a:t>
+            </a:r>
+            <a:r>
+              <a:rPr lang="en-US" dirty="0" err="1">
+                <a:latin typeface="Consolas" panose="020B0609020204030204" pitchFamily="49" charset="0"/>
+                <a:cs typeface="Consolas" panose="020B0609020204030204" pitchFamily="49" charset="0"/>
+              </a:rPr>
+              <a:t>github.com</a:t>
+            </a:r>
+            <a:r>
+              <a:rPr lang="en-US" dirty="0">
+                <a:latin typeface="Consolas" panose="020B0609020204030204" pitchFamily="49" charset="0"/>
+                <a:cs typeface="Consolas" panose="020B0609020204030204" pitchFamily="49" charset="0"/>
+              </a:rPr>
+              <a:t>/Bedrock-</a:t>
+            </a:r>
+            <a:r>
+              <a:rPr lang="en-US" dirty="0" err="1">
+                <a:latin typeface="Consolas" panose="020B0609020204030204" pitchFamily="49" charset="0"/>
+                <a:cs typeface="Consolas" panose="020B0609020204030204" pitchFamily="49" charset="0"/>
+              </a:rPr>
+              <a:t>py</a:t>
+            </a:r>
+            <a:r>
+              <a:rPr lang="en-US" dirty="0">
+                <a:latin typeface="Consolas" panose="020B0609020204030204" pitchFamily="49" charset="0"/>
+                <a:cs typeface="Consolas" panose="020B0609020204030204" pitchFamily="49" charset="0"/>
+              </a:rPr>
+              <a:t>/opal-analytics-logit2.git</a:t>
             </a:r>
             <a:endParaRPr lang="en-US" dirty="0"/>
           </a:p>
